--- a/伟大思想报告PPT(加入历史与应用).pptx
+++ b/伟大思想报告PPT(加入历史与应用).pptx
@@ -4,6 +4,9 @@
   <p:sldMasterIdLst>
     <p:sldMasterId id="2147483660" r:id="rId1"/>
   </p:sldMasterIdLst>
+  <p:notesMasterIdLst>
+    <p:notesMasterId r:id="rId30"/>
+  </p:notesMasterIdLst>
   <p:sldIdLst>
     <p:sldId id="256" r:id="rId2"/>
     <p:sldId id="273" r:id="rId3"/>
@@ -25,13 +28,14 @@
     <p:sldId id="274" r:id="rId19"/>
     <p:sldId id="275" r:id="rId20"/>
     <p:sldId id="276" r:id="rId21"/>
-    <p:sldId id="278" r:id="rId22"/>
-    <p:sldId id="279" r:id="rId23"/>
-    <p:sldId id="277" r:id="rId24"/>
-    <p:sldId id="280" r:id="rId25"/>
-    <p:sldId id="281" r:id="rId26"/>
-    <p:sldId id="282" r:id="rId27"/>
-    <p:sldId id="283" r:id="rId28"/>
+    <p:sldId id="284" r:id="rId22"/>
+    <p:sldId id="278" r:id="rId23"/>
+    <p:sldId id="279" r:id="rId24"/>
+    <p:sldId id="277" r:id="rId25"/>
+    <p:sldId id="280" r:id="rId26"/>
+    <p:sldId id="281" r:id="rId27"/>
+    <p:sldId id="282" r:id="rId28"/>
+    <p:sldId id="283" r:id="rId29"/>
   </p:sldIdLst>
   <p:sldSz cx="12192000" cy="6858000"/>
   <p:notesSz cx="6858000" cy="9144000"/>
@@ -136,6 +140,439 @@
     </p:ext>
   </p:extLst>
 </p:presentation>
+</file>
+
+<file path=ppt/notesMasters/notesMaster1.xml><?xml version="1.0" encoding="utf-8"?>
+<p:notesMaster xmlns:a="http://schemas.openxmlformats.org/drawingml/2006/main" xmlns:r="http://schemas.openxmlformats.org/officeDocument/2006/relationships" xmlns:p="http://schemas.openxmlformats.org/presentationml/2006/main">
+  <p:cSld>
+    <p:bg>
+      <p:bgRef idx="1001">
+        <a:schemeClr val="bg1"/>
+      </p:bgRef>
+    </p:bg>
+    <p:spTree>
+      <p:nvGrpSpPr>
+        <p:cNvPr id="1" name=""/>
+        <p:cNvGrpSpPr/>
+        <p:nvPr/>
+      </p:nvGrpSpPr>
+      <p:grpSpPr>
+        <a:xfrm>
+          <a:off x="0" y="0"/>
+          <a:ext cx="0" cy="0"/>
+          <a:chOff x="0" y="0"/>
+          <a:chExt cx="0" cy="0"/>
+        </a:xfrm>
+      </p:grpSpPr>
+      <p:sp>
+        <p:nvSpPr>
+          <p:cNvPr id="2" name="页眉占位符 1"/>
+          <p:cNvSpPr>
+            <a:spLocks noGrp="1"/>
+          </p:cNvSpPr>
+          <p:nvPr>
+            <p:ph type="hdr" sz="quarter"/>
+          </p:nvPr>
+        </p:nvSpPr>
+        <p:spPr>
+          <a:xfrm>
+            <a:off x="0" y="0"/>
+            <a:ext cx="2971800" cy="458788"/>
+          </a:xfrm>
+          <a:prstGeom prst="rect">
+            <a:avLst/>
+          </a:prstGeom>
+        </p:spPr>
+        <p:txBody>
+          <a:bodyPr vert="horz" lIns="91440" tIns="45720" rIns="91440" bIns="45720" rtlCol="0"/>
+          <a:lstStyle>
+            <a:lvl1pPr algn="l">
+              <a:defRPr sz="1200"/>
+            </a:lvl1pPr>
+          </a:lstStyle>
+          <a:p>
+            <a:endParaRPr lang="zh-CN" altLang="en-US"/>
+          </a:p>
+        </p:txBody>
+      </p:sp>
+      <p:sp>
+        <p:nvSpPr>
+          <p:cNvPr id="3" name="日期占位符 2"/>
+          <p:cNvSpPr>
+            <a:spLocks noGrp="1"/>
+          </p:cNvSpPr>
+          <p:nvPr>
+            <p:ph type="dt" idx="1"/>
+          </p:nvPr>
+        </p:nvSpPr>
+        <p:spPr>
+          <a:xfrm>
+            <a:off x="3884613" y="0"/>
+            <a:ext cx="2971800" cy="458788"/>
+          </a:xfrm>
+          <a:prstGeom prst="rect">
+            <a:avLst/>
+          </a:prstGeom>
+        </p:spPr>
+        <p:txBody>
+          <a:bodyPr vert="horz" lIns="91440" tIns="45720" rIns="91440" bIns="45720" rtlCol="0"/>
+          <a:lstStyle>
+            <a:lvl1pPr algn="r">
+              <a:defRPr sz="1200"/>
+            </a:lvl1pPr>
+          </a:lstStyle>
+          <a:p>
+            <a:fld id="{B5BCB73B-4D1A-4AD4-8292-242BCAB3AFBA}" type="datetimeFigureOut">
+              <a:rPr lang="zh-CN" altLang="en-US" smtClean="0"/>
+              <a:t>2024/12/29</a:t>
+            </a:fld>
+            <a:endParaRPr lang="zh-CN" altLang="en-US"/>
+          </a:p>
+        </p:txBody>
+      </p:sp>
+      <p:sp>
+        <p:nvSpPr>
+          <p:cNvPr id="4" name="幻灯片图像占位符 3"/>
+          <p:cNvSpPr>
+            <a:spLocks noGrp="1" noRot="1" noChangeAspect="1"/>
+          </p:cNvSpPr>
+          <p:nvPr>
+            <p:ph type="sldImg" idx="2"/>
+          </p:nvPr>
+        </p:nvSpPr>
+        <p:spPr>
+          <a:xfrm>
+            <a:off x="685800" y="1143000"/>
+            <a:ext cx="5486400" cy="3086100"/>
+          </a:xfrm>
+          <a:prstGeom prst="rect">
+            <a:avLst/>
+          </a:prstGeom>
+          <a:noFill/>
+          <a:ln w="12700">
+            <a:solidFill>
+              <a:prstClr val="black"/>
+            </a:solidFill>
+          </a:ln>
+        </p:spPr>
+        <p:txBody>
+          <a:bodyPr vert="horz" lIns="91440" tIns="45720" rIns="91440" bIns="45720" rtlCol="0" anchor="ctr"/>
+          <a:lstStyle/>
+          <a:p>
+            <a:endParaRPr lang="zh-CN" altLang="en-US"/>
+          </a:p>
+        </p:txBody>
+      </p:sp>
+      <p:sp>
+        <p:nvSpPr>
+          <p:cNvPr id="5" name="备注占位符 4"/>
+          <p:cNvSpPr>
+            <a:spLocks noGrp="1"/>
+          </p:cNvSpPr>
+          <p:nvPr>
+            <p:ph type="body" sz="quarter" idx="3"/>
+          </p:nvPr>
+        </p:nvSpPr>
+        <p:spPr>
+          <a:xfrm>
+            <a:off x="685800" y="4400550"/>
+            <a:ext cx="5486400" cy="3600450"/>
+          </a:xfrm>
+          <a:prstGeom prst="rect">
+            <a:avLst/>
+          </a:prstGeom>
+        </p:spPr>
+        <p:txBody>
+          <a:bodyPr vert="horz" lIns="91440" tIns="45720" rIns="91440" bIns="45720" rtlCol="0"/>
+          <a:lstStyle/>
+          <a:p>
+            <a:pPr lvl="0"/>
+            <a:r>
+              <a:rPr lang="zh-CN" altLang="en-US"/>
+              <a:t>单击此处编辑母版文本样式</a:t>
+            </a:r>
+          </a:p>
+          <a:p>
+            <a:pPr lvl="1"/>
+            <a:r>
+              <a:rPr lang="zh-CN" altLang="en-US"/>
+              <a:t>二级</a:t>
+            </a:r>
+          </a:p>
+          <a:p>
+            <a:pPr lvl="2"/>
+            <a:r>
+              <a:rPr lang="zh-CN" altLang="en-US"/>
+              <a:t>三级</a:t>
+            </a:r>
+          </a:p>
+          <a:p>
+            <a:pPr lvl="3"/>
+            <a:r>
+              <a:rPr lang="zh-CN" altLang="en-US"/>
+              <a:t>四级</a:t>
+            </a:r>
+          </a:p>
+          <a:p>
+            <a:pPr lvl="4"/>
+            <a:r>
+              <a:rPr lang="zh-CN" altLang="en-US"/>
+              <a:t>五级</a:t>
+            </a:r>
+          </a:p>
+        </p:txBody>
+      </p:sp>
+      <p:sp>
+        <p:nvSpPr>
+          <p:cNvPr id="6" name="页脚占位符 5"/>
+          <p:cNvSpPr>
+            <a:spLocks noGrp="1"/>
+          </p:cNvSpPr>
+          <p:nvPr>
+            <p:ph type="ftr" sz="quarter" idx="4"/>
+          </p:nvPr>
+        </p:nvSpPr>
+        <p:spPr>
+          <a:xfrm>
+            <a:off x="0" y="8685213"/>
+            <a:ext cx="2971800" cy="458787"/>
+          </a:xfrm>
+          <a:prstGeom prst="rect">
+            <a:avLst/>
+          </a:prstGeom>
+        </p:spPr>
+        <p:txBody>
+          <a:bodyPr vert="horz" lIns="91440" tIns="45720" rIns="91440" bIns="45720" rtlCol="0" anchor="b"/>
+          <a:lstStyle>
+            <a:lvl1pPr algn="l">
+              <a:defRPr sz="1200"/>
+            </a:lvl1pPr>
+          </a:lstStyle>
+          <a:p>
+            <a:endParaRPr lang="zh-CN" altLang="en-US"/>
+          </a:p>
+        </p:txBody>
+      </p:sp>
+      <p:sp>
+        <p:nvSpPr>
+          <p:cNvPr id="7" name="灯片编号占位符 6"/>
+          <p:cNvSpPr>
+            <a:spLocks noGrp="1"/>
+          </p:cNvSpPr>
+          <p:nvPr>
+            <p:ph type="sldNum" sz="quarter" idx="5"/>
+          </p:nvPr>
+        </p:nvSpPr>
+        <p:spPr>
+          <a:xfrm>
+            <a:off x="3884613" y="8685213"/>
+            <a:ext cx="2971800" cy="458787"/>
+          </a:xfrm>
+          <a:prstGeom prst="rect">
+            <a:avLst/>
+          </a:prstGeom>
+        </p:spPr>
+        <p:txBody>
+          <a:bodyPr vert="horz" lIns="91440" tIns="45720" rIns="91440" bIns="45720" rtlCol="0" anchor="b"/>
+          <a:lstStyle>
+            <a:lvl1pPr algn="r">
+              <a:defRPr sz="1200"/>
+            </a:lvl1pPr>
+          </a:lstStyle>
+          <a:p>
+            <a:fld id="{82C83E7F-18E8-4B64-9133-582EEBAB7167}" type="slidenum">
+              <a:rPr lang="zh-CN" altLang="en-US" smtClean="0"/>
+              <a:t>‹#›</a:t>
+            </a:fld>
+            <a:endParaRPr lang="zh-CN" altLang="en-US"/>
+          </a:p>
+        </p:txBody>
+      </p:sp>
+    </p:spTree>
+    <p:extLst>
+      <p:ext uri="{BB962C8B-B14F-4D97-AF65-F5344CB8AC3E}">
+        <p14:creationId xmlns:p14="http://schemas.microsoft.com/office/powerpoint/2010/main" val="2070293023"/>
+      </p:ext>
+    </p:extLst>
+  </p:cSld>
+  <p:clrMap bg1="lt1" tx1="dk1" bg2="lt2" tx2="dk2" accent1="accent1" accent2="accent2" accent3="accent3" accent4="accent4" accent5="accent5" accent6="accent6" hlink="hlink" folHlink="folHlink"/>
+  <p:notesStyle>
+    <a:lvl1pPr marL="0" algn="l" defTabSz="914400" rtl="0" eaLnBrk="1" latinLnBrk="0" hangingPunct="1">
+      <a:defRPr sz="1200" kern="1200">
+        <a:solidFill>
+          <a:schemeClr val="tx1"/>
+        </a:solidFill>
+        <a:latin typeface="+mn-lt"/>
+        <a:ea typeface="+mn-ea"/>
+        <a:cs typeface="+mn-cs"/>
+      </a:defRPr>
+    </a:lvl1pPr>
+    <a:lvl2pPr marL="457200" algn="l" defTabSz="914400" rtl="0" eaLnBrk="1" latinLnBrk="0" hangingPunct="1">
+      <a:defRPr sz="1200" kern="1200">
+        <a:solidFill>
+          <a:schemeClr val="tx1"/>
+        </a:solidFill>
+        <a:latin typeface="+mn-lt"/>
+        <a:ea typeface="+mn-ea"/>
+        <a:cs typeface="+mn-cs"/>
+      </a:defRPr>
+    </a:lvl2pPr>
+    <a:lvl3pPr marL="914400" algn="l" defTabSz="914400" rtl="0" eaLnBrk="1" latinLnBrk="0" hangingPunct="1">
+      <a:defRPr sz="1200" kern="1200">
+        <a:solidFill>
+          <a:schemeClr val="tx1"/>
+        </a:solidFill>
+        <a:latin typeface="+mn-lt"/>
+        <a:ea typeface="+mn-ea"/>
+        <a:cs typeface="+mn-cs"/>
+      </a:defRPr>
+    </a:lvl3pPr>
+    <a:lvl4pPr marL="1371600" algn="l" defTabSz="914400" rtl="0" eaLnBrk="1" latinLnBrk="0" hangingPunct="1">
+      <a:defRPr sz="1200" kern="1200">
+        <a:solidFill>
+          <a:schemeClr val="tx1"/>
+        </a:solidFill>
+        <a:latin typeface="+mn-lt"/>
+        <a:ea typeface="+mn-ea"/>
+        <a:cs typeface="+mn-cs"/>
+      </a:defRPr>
+    </a:lvl4pPr>
+    <a:lvl5pPr marL="1828800" algn="l" defTabSz="914400" rtl="0" eaLnBrk="1" latinLnBrk="0" hangingPunct="1">
+      <a:defRPr sz="1200" kern="1200">
+        <a:solidFill>
+          <a:schemeClr val="tx1"/>
+        </a:solidFill>
+        <a:latin typeface="+mn-lt"/>
+        <a:ea typeface="+mn-ea"/>
+        <a:cs typeface="+mn-cs"/>
+      </a:defRPr>
+    </a:lvl5pPr>
+    <a:lvl6pPr marL="2286000" algn="l" defTabSz="914400" rtl="0" eaLnBrk="1" latinLnBrk="0" hangingPunct="1">
+      <a:defRPr sz="1200" kern="1200">
+        <a:solidFill>
+          <a:schemeClr val="tx1"/>
+        </a:solidFill>
+        <a:latin typeface="+mn-lt"/>
+        <a:ea typeface="+mn-ea"/>
+        <a:cs typeface="+mn-cs"/>
+      </a:defRPr>
+    </a:lvl6pPr>
+    <a:lvl7pPr marL="2743200" algn="l" defTabSz="914400" rtl="0" eaLnBrk="1" latinLnBrk="0" hangingPunct="1">
+      <a:defRPr sz="1200" kern="1200">
+        <a:solidFill>
+          <a:schemeClr val="tx1"/>
+        </a:solidFill>
+        <a:latin typeface="+mn-lt"/>
+        <a:ea typeface="+mn-ea"/>
+        <a:cs typeface="+mn-cs"/>
+      </a:defRPr>
+    </a:lvl7pPr>
+    <a:lvl8pPr marL="3200400" algn="l" defTabSz="914400" rtl="0" eaLnBrk="1" latinLnBrk="0" hangingPunct="1">
+      <a:defRPr sz="1200" kern="1200">
+        <a:solidFill>
+          <a:schemeClr val="tx1"/>
+        </a:solidFill>
+        <a:latin typeface="+mn-lt"/>
+        <a:ea typeface="+mn-ea"/>
+        <a:cs typeface="+mn-cs"/>
+      </a:defRPr>
+    </a:lvl8pPr>
+    <a:lvl9pPr marL="3657600" algn="l" defTabSz="914400" rtl="0" eaLnBrk="1" latinLnBrk="0" hangingPunct="1">
+      <a:defRPr sz="1200" kern="1200">
+        <a:solidFill>
+          <a:schemeClr val="tx1"/>
+        </a:solidFill>
+        <a:latin typeface="+mn-lt"/>
+        <a:ea typeface="+mn-ea"/>
+        <a:cs typeface="+mn-cs"/>
+      </a:defRPr>
+    </a:lvl9pPr>
+  </p:notesStyle>
+</p:notesMaster>
+</file>
+
+<file path=ppt/notesSlides/notesSlide1.xml><?xml version="1.0" encoding="utf-8"?>
+<p:notes xmlns:a="http://schemas.openxmlformats.org/drawingml/2006/main" xmlns:r="http://schemas.openxmlformats.org/officeDocument/2006/relationships" xmlns:p="http://schemas.openxmlformats.org/presentationml/2006/main">
+  <p:cSld>
+    <p:spTree>
+      <p:nvGrpSpPr>
+        <p:cNvPr id="1" name=""/>
+        <p:cNvGrpSpPr/>
+        <p:nvPr/>
+      </p:nvGrpSpPr>
+      <p:grpSpPr>
+        <a:xfrm>
+          <a:off x="0" y="0"/>
+          <a:ext cx="0" cy="0"/>
+          <a:chOff x="0" y="0"/>
+          <a:chExt cx="0" cy="0"/>
+        </a:xfrm>
+      </p:grpSpPr>
+      <p:sp>
+        <p:nvSpPr>
+          <p:cNvPr id="2" name="幻灯片图像占位符 1"/>
+          <p:cNvSpPr>
+            <a:spLocks noGrp="1" noRot="1" noChangeAspect="1"/>
+          </p:cNvSpPr>
+          <p:nvPr>
+            <p:ph type="sldImg"/>
+          </p:nvPr>
+        </p:nvSpPr>
+        <p:spPr/>
+      </p:sp>
+      <p:sp>
+        <p:nvSpPr>
+          <p:cNvPr id="3" name="备注占位符 2"/>
+          <p:cNvSpPr>
+            <a:spLocks noGrp="1"/>
+          </p:cNvSpPr>
+          <p:nvPr>
+            <p:ph type="body" idx="1"/>
+          </p:nvPr>
+        </p:nvSpPr>
+        <p:spPr/>
+        <p:txBody>
+          <a:bodyPr/>
+          <a:lstStyle/>
+          <a:p>
+            <a:endParaRPr lang="zh-CN" altLang="en-US" dirty="0"/>
+          </a:p>
+        </p:txBody>
+      </p:sp>
+      <p:sp>
+        <p:nvSpPr>
+          <p:cNvPr id="4" name="灯片编号占位符 3"/>
+          <p:cNvSpPr>
+            <a:spLocks noGrp="1"/>
+          </p:cNvSpPr>
+          <p:nvPr>
+            <p:ph type="sldNum" sz="quarter" idx="5"/>
+          </p:nvPr>
+        </p:nvSpPr>
+        <p:spPr/>
+        <p:txBody>
+          <a:bodyPr/>
+          <a:lstStyle/>
+          <a:p>
+            <a:fld id="{82C83E7F-18E8-4B64-9133-582EEBAB7167}" type="slidenum">
+              <a:rPr lang="zh-CN" altLang="en-US" smtClean="0"/>
+              <a:t>22</a:t>
+            </a:fld>
+            <a:endParaRPr lang="zh-CN" altLang="en-US"/>
+          </a:p>
+        </p:txBody>
+      </p:sp>
+    </p:spTree>
+    <p:extLst>
+      <p:ext uri="{BB962C8B-B14F-4D97-AF65-F5344CB8AC3E}">
+        <p14:creationId xmlns:p14="http://schemas.microsoft.com/office/powerpoint/2010/main" val="3669467231"/>
+      </p:ext>
+    </p:extLst>
+  </p:cSld>
+  <p:clrMapOvr>
+    <a:masterClrMapping/>
+  </p:clrMapOvr>
+</p:notes>
 </file>
 
 <file path=ppt/slideLayouts/slideLayout1.xml><?xml version="1.0" encoding="utf-8"?>
@@ -8120,7 +8557,7 @@
           <a:p>
             <a:r>
               <a:rPr lang="zh-CN" altLang="en-US" dirty="0"/>
-              <a:t>最优化理论的起源：</a:t>
+              <a:t>梯度下降的起源：</a:t>
             </a:r>
           </a:p>
         </p:txBody>
@@ -8325,19 +8762,44 @@
             </a:r>
             <a:r>
               <a:rPr lang="zh-CN" altLang="en-US" dirty="0"/>
-              <a:t>提出了一种基于梯度的最优化方法，这可以视为梯度下降算法的最早形式。</a:t>
+              <a:t>提出的一种基于梯度的最优化方法，这可以视为梯度下降算法的最早形式。</a:t>
+            </a:r>
+            <a:endParaRPr lang="en-US" altLang="zh-CN" dirty="0"/>
+          </a:p>
+          <a:p>
+            <a:endParaRPr lang="en-US" altLang="zh-CN" dirty="0"/>
+          </a:p>
+          <a:p>
+            <a:endParaRPr lang="en-US" altLang="zh-CN" dirty="0"/>
+          </a:p>
+          <a:p>
+            <a:endParaRPr lang="en-US" altLang="zh-CN" dirty="0"/>
+          </a:p>
+          <a:p>
+            <a:endParaRPr lang="en-US" altLang="zh-CN" dirty="0"/>
+          </a:p>
+          <a:p>
+            <a:endParaRPr lang="en-US" altLang="zh-CN" dirty="0"/>
+          </a:p>
+          <a:p>
+            <a:endParaRPr lang="en-US" altLang="zh-CN" dirty="0"/>
+          </a:p>
+          <a:p>
+            <a:endParaRPr lang="en-US" altLang="zh-CN" dirty="0"/>
+          </a:p>
+          <a:p>
+            <a:r>
+              <a:rPr lang="zh-CN" altLang="en-US" dirty="0"/>
+              <a:t>是不是感觉很眼熟？</a:t>
             </a:r>
             <a:r>
               <a:rPr lang="en-US" altLang="zh-CN" dirty="0"/>
-              <a:t>Cauchy</a:t>
+              <a:t>BGD</a:t>
             </a:r>
             <a:r>
               <a:rPr lang="zh-CN" altLang="en-US" dirty="0"/>
-              <a:t>梯度法为后来的梯度下降算法打下了基础。</a:t>
-            </a:r>
-            <a:endParaRPr lang="en-US" altLang="zh-CN" dirty="0"/>
-          </a:p>
-          <a:p>
+              <a:t>的更新策略就是这么来的。</a:t>
+            </a:r>
             <a:endParaRPr lang="en-US" altLang="zh-CN" dirty="0"/>
           </a:p>
         </p:txBody>
@@ -8365,7 +8827,7 @@
           <a:p>
             <a:r>
               <a:rPr lang="zh-CN" altLang="en-US" dirty="0"/>
-              <a:t>最优化理论的起源：</a:t>
+              <a:t>梯度下降的起源：</a:t>
             </a:r>
           </a:p>
         </p:txBody>
@@ -8524,7 +8986,7 @@
           <p:cNvPr id="2" name="内容占位符 1">
             <a:extLst>
               <a:ext uri="{FF2B5EF4-FFF2-40B4-BE49-F238E27FC236}">
-                <a16:creationId xmlns:a16="http://schemas.microsoft.com/office/drawing/2014/main" id="{242CF9D8-D91E-44B8-83DD-D3D0C4473329}"/>
+                <a16:creationId xmlns:a16="http://schemas.microsoft.com/office/drawing/2014/main" id="{350B235C-9AD4-46FB-BE4F-3801606582EB}"/>
               </a:ext>
             </a:extLst>
           </p:cNvPr>
@@ -8537,110 +8999,63 @@
         </p:nvSpPr>
         <p:spPr/>
         <p:txBody>
-          <a:bodyPr>
-            <a:normAutofit lnSpcReduction="10000"/>
-          </a:bodyPr>
+          <a:bodyPr/>
           <a:lstStyle/>
           <a:p>
             <a:r>
+              <a:rPr lang="zh-CN" altLang="en-US" b="0" i="0" dirty="0">
+                <a:solidFill>
+                  <a:srgbClr val="4D4D4D"/>
+                </a:solidFill>
+                <a:effectLst/>
+                <a:latin typeface="-apple-system"/>
+              </a:rPr>
+              <a:t>批量梯度下降法是最原始的形式，它的具体思路是在更新每一参数时都使用所有的样本来进行梯度的更新。</a:t>
+            </a:r>
+            <a:endParaRPr lang="en-US" altLang="zh-CN" b="0" i="0" dirty="0">
+              <a:solidFill>
+                <a:srgbClr val="4D4D4D"/>
+              </a:solidFill>
+              <a:effectLst/>
+              <a:latin typeface="-apple-system"/>
+            </a:endParaRPr>
+          </a:p>
+          <a:p>
+            <a:endParaRPr lang="en-US" altLang="zh-CN" dirty="0"/>
+          </a:p>
+          <a:p>
+            <a:r>
               <a:rPr lang="zh-CN" altLang="en-US" dirty="0"/>
-              <a:t>随着计算机硬件和数据集规模的增长，为了处理更大的数据集，梯度下降算法的变种开始发展。</a:t>
-            </a:r>
-          </a:p>
-          <a:p>
-            <a:pPr>
-              <a:buFont typeface="Arial" panose="020B0604020202020204" pitchFamily="34" charset="0"/>
-              <a:buChar char="•"/>
-            </a:pPr>
-            <a:r>
-              <a:rPr lang="zh-CN" altLang="en-US" b="1" dirty="0"/>
-              <a:t>随机梯度下降（</a:t>
-            </a:r>
-            <a:r>
-              <a:rPr lang="en-US" altLang="zh-CN" b="1" dirty="0"/>
-              <a:t>SGD</a:t>
-            </a:r>
-            <a:r>
-              <a:rPr lang="zh-CN" altLang="en-US" b="1" dirty="0"/>
-              <a:t>）</a:t>
-            </a:r>
+              <a:t>计算梯度：遍历全部元素取平均</a:t>
+            </a:r>
+            <a:r>
+              <a:rPr lang="en-US" altLang="zh-CN" dirty="0"/>
+              <a:t>:</a:t>
+            </a:r>
+          </a:p>
+          <a:p>
+            <a:endParaRPr lang="en-US" altLang="zh-CN" dirty="0"/>
+          </a:p>
+          <a:p>
+            <a:endParaRPr lang="en-US" altLang="zh-CN" dirty="0"/>
+          </a:p>
+          <a:p>
+            <a:endParaRPr lang="en-US" altLang="zh-CN" dirty="0"/>
+          </a:p>
+          <a:p>
             <a:r>
               <a:rPr lang="zh-CN" altLang="en-US" dirty="0"/>
-              <a:t>：</a:t>
-            </a:r>
-            <a:r>
-              <a:rPr lang="en-US" altLang="zh-CN" dirty="0"/>
-              <a:t>SGD</a:t>
-            </a:r>
+              <a:t>虽然能保证下降的稳定度，但是计算量有亿点点大（每次更新都要遍历一遍数据集来算梯度）</a:t>
+            </a:r>
+            <a:endParaRPr lang="en-US" altLang="zh-CN" dirty="0"/>
+          </a:p>
+          <a:p>
             <a:r>
               <a:rPr lang="zh-CN" altLang="en-US" dirty="0"/>
-              <a:t>是梯度下降的变种，它通过在每次迭代中仅使用一个样本计算梯度，极大地加速了计算过程。</a:t>
+              <a:t>容易收敛到局部最小值</a:t>
             </a:r>
             <a:endParaRPr lang="en-US" altLang="zh-CN" dirty="0"/>
           </a:p>
-          <a:p>
-            <a:pPr marL="0" indent="0">
-              <a:buNone/>
-            </a:pPr>
-            <a:endParaRPr lang="en-US" altLang="zh-CN" dirty="0"/>
-          </a:p>
-          <a:p>
-            <a:pPr>
-              <a:buFont typeface="Arial" panose="020B0604020202020204" pitchFamily="34" charset="0"/>
-              <a:buChar char="•"/>
-            </a:pPr>
-            <a:endParaRPr lang="en-US" altLang="zh-CN" dirty="0"/>
-          </a:p>
-          <a:p>
-            <a:pPr marL="0" indent="0">
-              <a:buNone/>
-            </a:pPr>
-            <a:r>
-              <a:rPr lang="zh-CN" altLang="en-US" dirty="0"/>
-              <a:t>    </a:t>
-            </a:r>
-            <a:endParaRPr lang="en-US" altLang="zh-CN" dirty="0"/>
-          </a:p>
-          <a:p>
-            <a:pPr marL="0" indent="0">
-              <a:buNone/>
-            </a:pPr>
-            <a:endParaRPr lang="en-US" altLang="zh-CN" dirty="0"/>
-          </a:p>
-          <a:p>
-            <a:pPr marL="0" indent="0">
-              <a:buNone/>
-            </a:pPr>
-            <a:endParaRPr lang="en-US" altLang="zh-CN" dirty="0"/>
-          </a:p>
-          <a:p>
-            <a:pPr marL="0" indent="0">
-              <a:buNone/>
-            </a:pPr>
-            <a:r>
-              <a:rPr lang="en-US" altLang="zh-CN" dirty="0"/>
-              <a:t>   </a:t>
-            </a:r>
-          </a:p>
-          <a:p>
-            <a:pPr marL="0" indent="0">
-              <a:buNone/>
-            </a:pPr>
-            <a:endParaRPr lang="en-US" altLang="zh-CN" dirty="0"/>
-          </a:p>
-          <a:p>
-            <a:pPr marL="0" indent="0">
-              <a:buNone/>
-            </a:pPr>
-            <a:r>
-              <a:rPr lang="en-US" altLang="zh-CN" dirty="0"/>
-              <a:t>    </a:t>
-            </a:r>
-            <a:r>
-              <a:rPr lang="zh-CN" altLang="en-US" dirty="0"/>
-              <a:t>尽管每次更新带有噪声，但它能够避免陷入局部最小值，并提高训练效率。</a:t>
-            </a:r>
-          </a:p>
         </p:txBody>
       </p:sp>
       <p:sp>
@@ -8648,7 +9063,7 @@
           <p:cNvPr id="3" name="标题 2">
             <a:extLst>
               <a:ext uri="{FF2B5EF4-FFF2-40B4-BE49-F238E27FC236}">
-                <a16:creationId xmlns:a16="http://schemas.microsoft.com/office/drawing/2014/main" id="{4F6FA13B-7981-4916-9362-C19857F3848F}"/>
+                <a16:creationId xmlns:a16="http://schemas.microsoft.com/office/drawing/2014/main" id="{14B9282D-B4FC-4936-9288-87F380075A74}"/>
               </a:ext>
             </a:extLst>
           </p:cNvPr>
@@ -8659,23 +9074,18 @@
             <p:ph type="title"/>
           </p:nvPr>
         </p:nvSpPr>
-        <p:spPr>
-          <a:xfrm>
-            <a:off x="658699" y="974280"/>
-            <a:ext cx="11162884" cy="574183"/>
-          </a:xfrm>
-        </p:spPr>
+        <p:spPr/>
         <p:txBody>
           <a:bodyPr/>
           <a:lstStyle/>
           <a:p>
             <a:r>
               <a:rPr lang="zh-CN" altLang="en-US" dirty="0"/>
-              <a:t>随机梯度下降（</a:t>
+              <a:t>批量梯度下降（</a:t>
             </a:r>
             <a:r>
               <a:rPr lang="en-US" altLang="zh-CN" dirty="0"/>
-              <a:t>SGD</a:t>
+              <a:t>BGD</a:t>
             </a:r>
             <a:r>
               <a:rPr lang="zh-CN" altLang="en-US" dirty="0"/>
@@ -8686,10 +9096,10 @@
       </p:sp>
       <p:pic>
         <p:nvPicPr>
-          <p:cNvPr id="7" name="图片 6">
+          <p:cNvPr id="5" name="图片 4">
             <a:extLst>
               <a:ext uri="{FF2B5EF4-FFF2-40B4-BE49-F238E27FC236}">
-                <a16:creationId xmlns:a16="http://schemas.microsoft.com/office/drawing/2014/main" id="{3D393B38-39A1-4921-8A20-0A3845FE824F}"/>
+                <a16:creationId xmlns:a16="http://schemas.microsoft.com/office/drawing/2014/main" id="{13D3DEAC-B5E9-4713-BA68-66E5A9E5FF85}"/>
               </a:ext>
             </a:extLst>
           </p:cNvPr>
@@ -8698,15 +9108,16 @@
           </p:cNvPicPr>
           <p:nvPr/>
         </p:nvPicPr>
-        <p:blipFill rotWithShape="1">
+        <p:blipFill>
           <a:blip r:embed="rId2"/>
-          <a:srcRect l="2169" t="2936" b="1679"/>
-          <a:stretch/>
+          <a:stretch>
+            <a:fillRect/>
+          </a:stretch>
         </p:blipFill>
         <p:spPr>
           <a:xfrm>
-            <a:off x="931817" y="2987038"/>
-            <a:ext cx="6705600" cy="3025698"/>
+            <a:off x="4533684" y="3429000"/>
+            <a:ext cx="3412913" cy="1033676"/>
           </a:xfrm>
           <a:prstGeom prst="rect">
             <a:avLst/>
@@ -8716,7 +9127,7 @@
     </p:spTree>
     <p:extLst>
       <p:ext uri="{BB962C8B-B14F-4D97-AF65-F5344CB8AC3E}">
-        <p14:creationId xmlns:p14="http://schemas.microsoft.com/office/powerpoint/2010/main" val="3104441470"/>
+        <p14:creationId xmlns:p14="http://schemas.microsoft.com/office/powerpoint/2010/main" val="1260133035"/>
       </p:ext>
     </p:extLst>
   </p:cSld>
@@ -8748,7 +9159,7 @@
           <p:cNvPr id="2" name="内容占位符 1">
             <a:extLst>
               <a:ext uri="{FF2B5EF4-FFF2-40B4-BE49-F238E27FC236}">
-                <a16:creationId xmlns:a16="http://schemas.microsoft.com/office/drawing/2014/main" id="{6FFAD24A-F8FF-4511-875B-836A891D4162}"/>
+                <a16:creationId xmlns:a16="http://schemas.microsoft.com/office/drawing/2014/main" id="{242CF9D8-D91E-44B8-83DD-D3D0C4473329}"/>
               </a:ext>
             </a:extLst>
           </p:cNvPr>
@@ -8761,24 +9172,32 @@
         </p:nvSpPr>
         <p:spPr/>
         <p:txBody>
-          <a:bodyPr/>
+          <a:bodyPr>
+            <a:normAutofit/>
+          </a:bodyPr>
           <a:lstStyle/>
           <a:p>
             <a:r>
-              <a:rPr lang="zh-CN" altLang="en-US" b="1" dirty="0"/>
-              <a:t>小批量梯度下降（</a:t>
-            </a:r>
-            <a:r>
-              <a:rPr lang="en-US" altLang="zh-CN" b="1" dirty="0"/>
-              <a:t>Mini-batch Gradient Descent</a:t>
-            </a:r>
-            <a:r>
-              <a:rPr lang="zh-CN" altLang="en-US" b="1" dirty="0"/>
-              <a:t>）</a:t>
-            </a:r>
-            <a:r>
               <a:rPr lang="zh-CN" altLang="en-US" dirty="0"/>
-              <a:t>：小批量梯度下降结合了批量梯度下降和</a:t>
+              <a:t>由于要遍历整个数据集来计算梯度，</a:t>
+            </a:r>
+            <a:r>
+              <a:rPr lang="en-US" altLang="zh-CN" dirty="0"/>
+              <a:t>BGD</a:t>
+            </a:r>
+            <a:r>
+              <a:rPr lang="zh-CN" altLang="en-US" dirty="0"/>
+              <a:t>难以应对数据集规模增长带来的巨大计算开销。于是为了处理更大的数据集，梯度下降算法的变种开始发展。</a:t>
+            </a:r>
+          </a:p>
+          <a:p>
+            <a:pPr>
+              <a:buFont typeface="Arial" panose="020B0604020202020204" pitchFamily="34" charset="0"/>
+              <a:buChar char="•"/>
+            </a:pPr>
+            <a:r>
+              <a:rPr lang="zh-CN" altLang="en-US" dirty="0"/>
+              <a:t>随机梯度下降（</a:t>
             </a:r>
             <a:r>
               <a:rPr lang="en-US" altLang="zh-CN" dirty="0"/>
@@ -8786,15 +9205,76 @@
             </a:r>
             <a:r>
               <a:rPr lang="zh-CN" altLang="en-US" dirty="0"/>
-              <a:t>的优点。每次迭代时使用一小部分样本计算梯度，这种方式更适用于大数据集和并行计算。</a:t>
+              <a:t>）：</a:t>
+            </a:r>
+            <a:r>
+              <a:rPr lang="en-US" altLang="zh-CN" dirty="0"/>
+              <a:t>SGD</a:t>
+            </a:r>
+            <a:r>
+              <a:rPr lang="zh-CN" altLang="en-US" dirty="0"/>
+              <a:t>是梯度下降的一个变种，它通过在每次迭代中仅使用一个样本计算梯度，极大地加速了计算过程。</a:t>
             </a:r>
             <a:endParaRPr lang="en-US" altLang="zh-CN" dirty="0"/>
           </a:p>
           <a:p>
-            <a:endParaRPr lang="zh-CN" altLang="en-US" dirty="0"/>
-          </a:p>
-          <a:p>
-            <a:endParaRPr lang="zh-CN" altLang="en-US" dirty="0"/>
+            <a:pPr marL="0" indent="0">
+              <a:buNone/>
+            </a:pPr>
+            <a:endParaRPr lang="en-US" altLang="zh-CN" dirty="0"/>
+          </a:p>
+          <a:p>
+            <a:pPr marL="0" indent="0">
+              <a:buNone/>
+            </a:pPr>
+            <a:endParaRPr lang="en-US" altLang="zh-CN" dirty="0"/>
+          </a:p>
+          <a:p>
+            <a:pPr marL="0" indent="0">
+              <a:buNone/>
+            </a:pPr>
+            <a:r>
+              <a:rPr lang="en-US" altLang="zh-CN" dirty="0"/>
+              <a:t>                                                                                               </a:t>
+            </a:r>
+            <a:r>
+              <a:rPr lang="zh-CN" altLang="en-US" dirty="0"/>
+              <a:t>缺点：每次更新带有噪声，</a:t>
+            </a:r>
+            <a:endParaRPr lang="en-US" altLang="zh-CN" dirty="0"/>
+          </a:p>
+          <a:p>
+            <a:pPr marL="0" indent="0">
+              <a:buNone/>
+            </a:pPr>
+            <a:r>
+              <a:rPr lang="zh-CN" altLang="en-US" dirty="0"/>
+              <a:t>                                                                                                          收敛的过程有波动。</a:t>
+            </a:r>
+            <a:endParaRPr lang="en-US" altLang="zh-CN" dirty="0"/>
+          </a:p>
+          <a:p>
+            <a:pPr marL="0" indent="0">
+              <a:buNone/>
+            </a:pPr>
+            <a:r>
+              <a:rPr lang="zh-CN" altLang="en-US" dirty="0"/>
+              <a:t>                                                                                               优点：有更大可能避免陷入局部最小值，</a:t>
+            </a:r>
+            <a:endParaRPr lang="en-US" altLang="zh-CN" dirty="0"/>
+          </a:p>
+          <a:p>
+            <a:pPr marL="0" indent="0">
+              <a:buNone/>
+            </a:pPr>
+            <a:r>
+              <a:rPr lang="en-US" altLang="zh-CN" dirty="0"/>
+              <a:t>                                                                                                          </a:t>
+            </a:r>
+            <a:r>
+              <a:rPr lang="zh-CN" altLang="en-US" dirty="0"/>
+              <a:t>计算开销小。</a:t>
+            </a:r>
           </a:p>
         </p:txBody>
       </p:sp>
@@ -8803,7 +9283,7 @@
           <p:cNvPr id="3" name="标题 2">
             <a:extLst>
               <a:ext uri="{FF2B5EF4-FFF2-40B4-BE49-F238E27FC236}">
-                <a16:creationId xmlns:a16="http://schemas.microsoft.com/office/drawing/2014/main" id="{047928F6-E95D-4347-997F-1E0E27DC4607}"/>
+                <a16:creationId xmlns:a16="http://schemas.microsoft.com/office/drawing/2014/main" id="{4F6FA13B-7981-4916-9362-C19857F3848F}"/>
               </a:ext>
             </a:extLst>
           </p:cNvPr>
@@ -8814,18 +9294,23 @@
             <p:ph type="title"/>
           </p:nvPr>
         </p:nvSpPr>
-        <p:spPr/>
+        <p:spPr>
+          <a:xfrm>
+            <a:off x="658699" y="974280"/>
+            <a:ext cx="11162884" cy="574183"/>
+          </a:xfrm>
+        </p:spPr>
         <p:txBody>
           <a:bodyPr/>
           <a:lstStyle/>
           <a:p>
             <a:r>
               <a:rPr lang="zh-CN" altLang="en-US" dirty="0"/>
-              <a:t>小批量梯度下降（</a:t>
+              <a:t>随机梯度下降（</a:t>
             </a:r>
             <a:r>
               <a:rPr lang="en-US" altLang="zh-CN" dirty="0"/>
-              <a:t>MBGD</a:t>
+              <a:t>SGD</a:t>
             </a:r>
             <a:r>
               <a:rPr lang="zh-CN" altLang="en-US" dirty="0"/>
@@ -8836,10 +9321,10 @@
       </p:sp>
       <p:pic>
         <p:nvPicPr>
-          <p:cNvPr id="5" name="图片 4">
+          <p:cNvPr id="7" name="图片 6">
             <a:extLst>
               <a:ext uri="{FF2B5EF4-FFF2-40B4-BE49-F238E27FC236}">
-                <a16:creationId xmlns:a16="http://schemas.microsoft.com/office/drawing/2014/main" id="{86B5D768-C902-464C-AA8A-D4BEFB91D81D}"/>
+                <a16:creationId xmlns:a16="http://schemas.microsoft.com/office/drawing/2014/main" id="{3D393B38-39A1-4921-8A20-0A3845FE824F}"/>
               </a:ext>
             </a:extLst>
           </p:cNvPr>
@@ -8849,43 +9334,14 @@
           <p:nvPr/>
         </p:nvPicPr>
         <p:blipFill rotWithShape="1">
-          <a:blip r:embed="rId2"/>
-          <a:srcRect t="2983" r="2160" b="5601"/>
+          <a:blip r:embed="rId3"/>
+          <a:srcRect l="2169" t="2936" b="1679"/>
           <a:stretch/>
         </p:blipFill>
         <p:spPr>
           <a:xfrm>
-            <a:off x="804124" y="2474381"/>
-            <a:ext cx="10355120" cy="1672046"/>
-          </a:xfrm>
-          <a:prstGeom prst="rect">
-            <a:avLst/>
-          </a:prstGeom>
-        </p:spPr>
-      </p:pic>
-      <p:pic>
-        <p:nvPicPr>
-          <p:cNvPr id="7" name="图片 6">
-            <a:extLst>
-              <a:ext uri="{FF2B5EF4-FFF2-40B4-BE49-F238E27FC236}">
-                <a16:creationId xmlns:a16="http://schemas.microsoft.com/office/drawing/2014/main" id="{0CD4C57F-8A02-4B9A-B467-2EF25AB92546}"/>
-              </a:ext>
-            </a:extLst>
-          </p:cNvPr>
-          <p:cNvPicPr>
-            <a:picLocks noChangeAspect="1"/>
-          </p:cNvPicPr>
-          <p:nvPr/>
-        </p:nvPicPr>
-        <p:blipFill rotWithShape="1">
-          <a:blip r:embed="rId3"/>
-          <a:srcRect t="2547" b="4974"/>
-          <a:stretch/>
-        </p:blipFill>
-        <p:spPr>
-          <a:xfrm>
-            <a:off x="804124" y="4240333"/>
-            <a:ext cx="10355120" cy="2272937"/>
+            <a:off x="467110" y="3581478"/>
+            <a:ext cx="6705600" cy="3025698"/>
           </a:xfrm>
           <a:prstGeom prst="rect">
             <a:avLst/>
@@ -8895,7 +9351,7 @@
     </p:spTree>
     <p:extLst>
       <p:ext uri="{BB962C8B-B14F-4D97-AF65-F5344CB8AC3E}">
-        <p14:creationId xmlns:p14="http://schemas.microsoft.com/office/powerpoint/2010/main" val="3345722076"/>
+        <p14:creationId xmlns:p14="http://schemas.microsoft.com/office/powerpoint/2010/main" val="3104441470"/>
       </p:ext>
     </p:extLst>
   </p:cSld>
@@ -8927,7 +9383,7 @@
           <p:cNvPr id="2" name="内容占位符 1">
             <a:extLst>
               <a:ext uri="{FF2B5EF4-FFF2-40B4-BE49-F238E27FC236}">
-                <a16:creationId xmlns:a16="http://schemas.microsoft.com/office/drawing/2014/main" id="{35A3527D-44A6-47A9-9A25-D762DDEE79DF}"/>
+                <a16:creationId xmlns:a16="http://schemas.microsoft.com/office/drawing/2014/main" id="{6FFAD24A-F8FF-4511-875B-836A891D4162}"/>
               </a:ext>
             </a:extLst>
           </p:cNvPr>
@@ -8945,100 +9401,143 @@
           <a:p>
             <a:r>
               <a:rPr lang="zh-CN" altLang="en-US" dirty="0"/>
-              <a:t>随着深度学习的快速发展，梯度下降的变种和改进方法也开始出现，以应对更复杂的优化问题，尤其是深度神经网络中的训练。</a:t>
-            </a:r>
-          </a:p>
-          <a:p>
-            <a:pPr>
-              <a:buFont typeface="Arial" panose="020B0604020202020204" pitchFamily="34" charset="0"/>
-              <a:buChar char="•"/>
+              <a:t>小批量梯度下降（</a:t>
+            </a:r>
+            <a:r>
+              <a:rPr lang="en-US" altLang="zh-CN" dirty="0"/>
+              <a:t>Mini-batch Gradient Descent</a:t>
+            </a:r>
+            <a:r>
+              <a:rPr lang="zh-CN" altLang="en-US" dirty="0"/>
+              <a:t>）：小批量梯度下降结合了批量梯度下降和</a:t>
+            </a:r>
+            <a:r>
+              <a:rPr lang="en-US" altLang="zh-CN" dirty="0"/>
+              <a:t>SGD</a:t>
+            </a:r>
+            <a:r>
+              <a:rPr lang="zh-CN" altLang="en-US" dirty="0"/>
+              <a:t>的优点。每次迭代时使用一小部分样本计算梯度，这种方式更适用于大数据集和并行计算。</a:t>
+            </a:r>
+            <a:endParaRPr lang="en-US" altLang="zh-CN" dirty="0"/>
+          </a:p>
+          <a:p>
+            <a:r>
+              <a:rPr lang="en-US" altLang="zh-CN" dirty="0"/>
+              <a:t>BGD</a:t>
+            </a:r>
+            <a:r>
+              <a:rPr lang="zh-CN" altLang="en-US" dirty="0"/>
+              <a:t>在每次迭代中使用整个训练集来计算梯度，优点是梯度估计非常准确，缺点是计算开销很大，尤其是在处理大规模数据集时。</a:t>
+            </a:r>
+            <a:endParaRPr lang="en-US" altLang="zh-CN" dirty="0"/>
+          </a:p>
+          <a:p>
+            <a:r>
+              <a:rPr lang="en-US" altLang="zh-CN" dirty="0"/>
+              <a:t>SGD</a:t>
+            </a:r>
+            <a:r>
+              <a:rPr lang="zh-CN" altLang="en-US" dirty="0"/>
+              <a:t>在每次迭代中只使用一个样本来计算梯度，优点是更新非常频繁，可以更快地进行训练，缺点是梯度估计有较大的噪声，可能导致训练过程中出现震荡。这种震荡有助于跳出局部最小值，但也可能导致训练过程不稳定。</a:t>
+            </a:r>
+            <a:endParaRPr lang="en-US" altLang="zh-CN" dirty="0"/>
+          </a:p>
+          <a:p>
+            <a:r>
+              <a:rPr lang="en-US" altLang="zh-CN" dirty="0"/>
+              <a:t>MBGD</a:t>
+            </a:r>
+            <a:r>
+              <a:rPr lang="zh-CN" altLang="en-US" dirty="0"/>
+              <a:t>在更行时使用一个小批量样本（大小一般为</a:t>
+            </a:r>
+            <a:r>
+              <a:rPr lang="en-US" altLang="zh-CN" dirty="0"/>
+              <a:t>32</a:t>
+            </a:r>
+            <a:r>
+              <a:rPr lang="zh-CN" altLang="en-US" dirty="0"/>
+              <a:t>，</a:t>
+            </a:r>
+            <a:r>
+              <a:rPr lang="en-US" altLang="zh-CN" dirty="0"/>
+              <a:t>64</a:t>
+            </a:r>
+            <a:r>
+              <a:rPr lang="zh-CN" altLang="en-US" dirty="0"/>
+              <a:t>，</a:t>
+            </a:r>
+            <a:r>
+              <a:rPr lang="en-US" altLang="zh-CN" dirty="0"/>
+              <a:t>128</a:t>
+            </a:r>
+            <a:r>
+              <a:rPr lang="zh-CN" altLang="en-US" dirty="0"/>
+              <a:t>等较小的值）来计算梯度。</a:t>
+            </a:r>
+            <a:r>
+              <a:rPr lang="en-US" altLang="zh-CN" dirty="0"/>
+              <a:t>MGBD</a:t>
+            </a:r>
+            <a:r>
+              <a:rPr lang="zh-CN" altLang="en-US" dirty="0"/>
+              <a:t>结合了</a:t>
+            </a:r>
+            <a:r>
+              <a:rPr lang="en-US" altLang="zh-CN" dirty="0"/>
+              <a:t>BGD</a:t>
+            </a:r>
+            <a:r>
+              <a:rPr lang="zh-CN" altLang="en-US" dirty="0"/>
+              <a:t>与</a:t>
+            </a:r>
+            <a:r>
+              <a:rPr lang="en-US" altLang="zh-CN" dirty="0"/>
+              <a:t>SGD</a:t>
+            </a:r>
+            <a:r>
+              <a:rPr lang="zh-CN" altLang="en-US" dirty="0"/>
+              <a:t>的优点：</a:t>
+            </a:r>
+            <a:endParaRPr lang="en-US" altLang="zh-CN" dirty="0"/>
+          </a:p>
+          <a:p>
+            <a:pPr marL="0" indent="0">
+              <a:buNone/>
             </a:pPr>
             <a:r>
-              <a:rPr lang="en-US" altLang="zh-CN" b="1" dirty="0"/>
-              <a:t>Momentum</a:t>
-            </a:r>
-            <a:r>
-              <a:rPr lang="zh-CN" altLang="en-US" b="1" dirty="0"/>
-              <a:t>（动量法）</a:t>
+              <a:rPr lang="en-US" altLang="zh-CN" dirty="0"/>
+              <a:t>    </a:t>
             </a:r>
             <a:r>
               <a:rPr lang="zh-CN" altLang="en-US" dirty="0"/>
-              <a:t>：</a:t>
-            </a:r>
+              <a:t>速度较快：只需要计算小批量数据的梯度即可，不用遍历整个数据集。</a:t>
+            </a:r>
+            <a:endParaRPr lang="en-US" altLang="zh-CN" dirty="0"/>
+          </a:p>
+          <a:p>
+            <a:pPr marL="0" indent="0">
+              <a:buNone/>
+            </a:pPr>
             <a:r>
               <a:rPr lang="en-US" altLang="zh-CN" dirty="0"/>
-              <a:t>Momentum</a:t>
+              <a:t>    </a:t>
             </a:r>
             <a:r>
               <a:rPr lang="zh-CN" altLang="en-US" dirty="0"/>
-              <a:t>方法引入了“动量”概念，它使得梯度更新不仅依赖于当前的梯度，还依赖于过去的梯度，从而加速收敛并减少震荡。</a:t>
+              <a:t>噪声较小：相对于</a:t>
+            </a:r>
+            <a:r>
+              <a:rPr lang="en-US" altLang="zh-CN" dirty="0"/>
+              <a:t>SGD</a:t>
+            </a:r>
+            <a:r>
+              <a:rPr lang="zh-CN" altLang="en-US" dirty="0"/>
+              <a:t>，由于使用批量的数据，梯度估计的噪声较小，更新更稳定。</a:t>
             </a:r>
             <a:endParaRPr lang="en-US" altLang="zh-CN" dirty="0"/>
           </a:p>
-          <a:p>
-            <a:pPr>
-              <a:buFont typeface="Arial" panose="020B0604020202020204" pitchFamily="34" charset="0"/>
-              <a:buChar char="•"/>
-            </a:pPr>
-            <a:r>
-              <a:rPr lang="en-US" altLang="zh-CN" b="1" dirty="0"/>
-              <a:t>RMSprop</a:t>
-            </a:r>
-            <a:r>
-              <a:rPr lang="zh-CN" altLang="en-US" dirty="0"/>
-              <a:t>：</a:t>
-            </a:r>
-            <a:r>
-              <a:rPr lang="en-US" altLang="zh-CN" dirty="0"/>
-              <a:t>RMSprop</a:t>
-            </a:r>
-            <a:r>
-              <a:rPr lang="zh-CN" altLang="en-US" dirty="0"/>
-              <a:t>是另一种自适应学习率的方法，它通过对梯度的平方进行滑动平均来调整学习率，使得每个参数的学习率根据其历史梯度的大小进行调整。</a:t>
-            </a:r>
-          </a:p>
-          <a:p>
-            <a:pPr>
-              <a:buFont typeface="Arial" panose="020B0604020202020204" pitchFamily="34" charset="0"/>
-              <a:buChar char="•"/>
-            </a:pPr>
-            <a:r>
-              <a:rPr lang="en-US" altLang="zh-CN" b="1" dirty="0"/>
-              <a:t>Adam</a:t>
-            </a:r>
-            <a:r>
-              <a:rPr lang="zh-CN" altLang="en-US" b="1" dirty="0"/>
-              <a:t>（</a:t>
-            </a:r>
-            <a:r>
-              <a:rPr lang="en-US" altLang="zh-CN" b="1" dirty="0"/>
-              <a:t>2015</a:t>
-            </a:r>
-            <a:r>
-              <a:rPr lang="zh-CN" altLang="en-US" b="1" dirty="0"/>
-              <a:t>年）</a:t>
-            </a:r>
-            <a:r>
-              <a:rPr lang="zh-CN" altLang="en-US" dirty="0"/>
-              <a:t>：</a:t>
-            </a:r>
-            <a:r>
-              <a:rPr lang="en-US" altLang="zh-CN" b="1" dirty="0"/>
-              <a:t>Adam</a:t>
-            </a:r>
-            <a:r>
-              <a:rPr lang="zh-CN" altLang="en-US" dirty="0"/>
-              <a:t>（</a:t>
-            </a:r>
-            <a:r>
-              <a:rPr lang="en-US" altLang="zh-CN" dirty="0"/>
-              <a:t>Adaptive Moment Estimation</a:t>
-            </a:r>
-            <a:r>
-              <a:rPr lang="zh-CN" altLang="en-US" dirty="0"/>
-              <a:t>）是一种结合了动量法和自适应学习率的优化算法，广泛应用于深度学习中。它结合了梯度的第一矩（均值）和第二矩（方差），能够自动调整每个参数的学习率，适应不同的训练情况。</a:t>
-            </a:r>
-          </a:p>
         </p:txBody>
       </p:sp>
       <p:sp>
@@ -9046,7 +9545,7 @@
           <p:cNvPr id="3" name="标题 2">
             <a:extLst>
               <a:ext uri="{FF2B5EF4-FFF2-40B4-BE49-F238E27FC236}">
-                <a16:creationId xmlns:a16="http://schemas.microsoft.com/office/drawing/2014/main" id="{740746AA-73A0-4FA2-8A27-FF1D20278587}"/>
+                <a16:creationId xmlns:a16="http://schemas.microsoft.com/office/drawing/2014/main" id="{047928F6-E95D-4347-997F-1E0E27DC4607}"/>
               </a:ext>
             </a:extLst>
           </p:cNvPr>
@@ -9064,7 +9563,15 @@
           <a:p>
             <a:r>
               <a:rPr lang="zh-CN" altLang="en-US" dirty="0"/>
-              <a:t>高级优化方法：</a:t>
+              <a:t>小批量梯度下降（</a:t>
+            </a:r>
+            <a:r>
+              <a:rPr lang="en-US" altLang="zh-CN" dirty="0"/>
+              <a:t>MBGD</a:t>
+            </a:r>
+            <a:r>
+              <a:rPr lang="zh-CN" altLang="en-US" dirty="0"/>
+              <a:t>）</a:t>
             </a:r>
           </a:p>
         </p:txBody>
@@ -9072,7 +9579,7 @@
     </p:spTree>
     <p:extLst>
       <p:ext uri="{BB962C8B-B14F-4D97-AF65-F5344CB8AC3E}">
-        <p14:creationId xmlns:p14="http://schemas.microsoft.com/office/powerpoint/2010/main" val="2202545577"/>
+        <p14:creationId xmlns:p14="http://schemas.microsoft.com/office/powerpoint/2010/main" val="3345722076"/>
       </p:ext>
     </p:extLst>
   </p:cSld>
@@ -9104,7 +9611,7 @@
           <p:cNvPr id="2" name="内容占位符 1">
             <a:extLst>
               <a:ext uri="{FF2B5EF4-FFF2-40B4-BE49-F238E27FC236}">
-                <a16:creationId xmlns:a16="http://schemas.microsoft.com/office/drawing/2014/main" id="{9203A138-DFBD-4706-BFA3-B7C55C369387}"/>
+                <a16:creationId xmlns:a16="http://schemas.microsoft.com/office/drawing/2014/main" id="{35A3527D-44A6-47A9-9A25-D762DDEE79DF}"/>
               </a:ext>
             </a:extLst>
           </p:cNvPr>
@@ -9117,38 +9624,14 @@
         </p:nvSpPr>
         <p:spPr/>
         <p:txBody>
-          <a:bodyPr/>
+          <a:bodyPr>
+            <a:normAutofit lnSpcReduction="10000"/>
+          </a:bodyPr>
           <a:lstStyle/>
           <a:p>
             <a:r>
-              <a:rPr lang="en-US" altLang="zh-CN" b="1" dirty="0"/>
-              <a:t>1. </a:t>
-            </a:r>
-            <a:r>
-              <a:rPr lang="zh-CN" altLang="en-US" b="1" dirty="0"/>
-              <a:t>线性回归</a:t>
-            </a:r>
-          </a:p>
-          <a:p>
-            <a:r>
               <a:rPr lang="zh-CN" altLang="en-US" dirty="0"/>
-              <a:t>在</a:t>
-            </a:r>
-            <a:r>
-              <a:rPr lang="zh-CN" altLang="en-US" b="1" dirty="0"/>
-              <a:t>线性回归</a:t>
-            </a:r>
-            <a:r>
-              <a:rPr lang="zh-CN" altLang="en-US" dirty="0"/>
-              <a:t>中，目标是找到一条最佳拟合直线，使得预测值与实际值之间的误差（通常使用均方误差，</a:t>
-            </a:r>
-            <a:r>
-              <a:rPr lang="en-US" altLang="zh-CN" dirty="0"/>
-              <a:t>MSE</a:t>
-            </a:r>
-            <a:r>
-              <a:rPr lang="zh-CN" altLang="en-US" dirty="0"/>
-              <a:t>）最小化。通过使用梯度下降，模型可以迭代地调整回归系数（权重），以最小化损失函数。梯度下降在这种情况下非常有效，特别是在数据集非常大时。</a:t>
+              <a:t>随着深度学习的快速发展，梯度下降的变种和改进方法也开始出现，以应对更复杂的优化问题，尤其是深度神经网络中的训练。</a:t>
             </a:r>
           </a:p>
           <a:p>
@@ -9157,20 +9640,12 @@
               <a:buChar char="•"/>
             </a:pPr>
             <a:r>
-              <a:rPr lang="zh-CN" altLang="en-US" b="1" dirty="0"/>
-              <a:t>损失函数</a:t>
+              <a:rPr lang="en-US" altLang="zh-CN" dirty="0"/>
+              <a:t>Momentum</a:t>
             </a:r>
             <a:r>
               <a:rPr lang="zh-CN" altLang="en-US" dirty="0"/>
-              <a:t>：均方误差（</a:t>
-            </a:r>
-            <a:r>
-              <a:rPr lang="en-US" altLang="zh-CN" dirty="0"/>
-              <a:t>MSE</a:t>
-            </a:r>
-            <a:r>
-              <a:rPr lang="zh-CN" altLang="en-US" dirty="0"/>
-              <a:t>）：</a:t>
+              <a:t>（动量法）：动量法引入了“动量”概念，它使得梯度更新不仅依赖于当前的梯度，还依赖于过去的梯度，即用当前的梯度与过去梯度加权平均后所得的结果作为更新依据。从而加速收敛并减少震荡。</a:t>
             </a:r>
             <a:endParaRPr lang="en-US" altLang="zh-CN" dirty="0"/>
           </a:p>
@@ -9179,6 +9654,22 @@
               <a:buFont typeface="Arial" panose="020B0604020202020204" pitchFamily="34" charset="0"/>
               <a:buChar char="•"/>
             </a:pPr>
+            <a:r>
+              <a:rPr lang="en-US" altLang="zh-CN" dirty="0"/>
+              <a:t>RMSprop</a:t>
+            </a:r>
+            <a:r>
+              <a:rPr lang="zh-CN" altLang="en-US" dirty="0"/>
+              <a:t>：</a:t>
+            </a:r>
+            <a:r>
+              <a:rPr lang="en-US" altLang="zh-CN" dirty="0"/>
+              <a:t>RMSprop</a:t>
+            </a:r>
+            <a:r>
+              <a:rPr lang="zh-CN" altLang="en-US" dirty="0"/>
+              <a:t>是另一种自适应学习率的方法，它通过对梯度的平方进行滑动平均来调整学习率，使得每个参数的学习率根据其历史梯度的大小进行调整。</a:t>
+            </a:r>
             <a:endParaRPr lang="en-US" altLang="zh-CN" dirty="0"/>
           </a:p>
           <a:p>
@@ -9188,19 +9679,48 @@
             <a:endParaRPr lang="en-US" altLang="zh-CN" dirty="0"/>
           </a:p>
           <a:p>
+            <a:pPr marL="0" indent="0">
+              <a:buNone/>
+            </a:pPr>
+            <a:endParaRPr lang="zh-CN" altLang="en-US" dirty="0"/>
+          </a:p>
+          <a:p>
             <a:pPr>
               <a:buFont typeface="Arial" panose="020B0604020202020204" pitchFamily="34" charset="0"/>
               <a:buChar char="•"/>
             </a:pPr>
             <a:r>
-              <a:rPr lang="zh-CN" altLang="en-US" b="1" dirty="0"/>
-              <a:t>应用</a:t>
+              <a:rPr lang="en-US" altLang="zh-CN" dirty="0"/>
+              <a:t>Adam</a:t>
             </a:r>
             <a:r>
               <a:rPr lang="zh-CN" altLang="en-US" dirty="0"/>
-              <a:t>：预测房价、股票价格、商品销量等。</a:t>
-            </a:r>
-            <a:endParaRPr lang="en-US" altLang="zh-CN" dirty="0"/>
+              <a:t>（</a:t>
+            </a:r>
+            <a:r>
+              <a:rPr lang="en-US" altLang="zh-CN" dirty="0"/>
+              <a:t>Adaptive Moment Estimation</a:t>
+            </a:r>
+            <a:r>
+              <a:rPr lang="zh-CN" altLang="en-US" dirty="0"/>
+              <a:t>）：</a:t>
+            </a:r>
+            <a:r>
+              <a:rPr lang="en-US" altLang="zh-CN" dirty="0"/>
+              <a:t>Adam</a:t>
+            </a:r>
+            <a:r>
+              <a:rPr lang="zh-CN" altLang="en-US" dirty="0"/>
+              <a:t>是一种将动量法与自适应学习率结合的优化算法，广泛应用于深度学习中。它通过计算梯度的第一矩（类似动量法）和第二矩（类似</a:t>
+            </a:r>
+            <a:r>
+              <a:rPr lang="en-US" altLang="zh-CN" dirty="0"/>
+              <a:t>RMSprop </a:t>
+            </a:r>
+            <a:r>
+              <a:rPr lang="zh-CN" altLang="en-US" dirty="0"/>
+              <a:t>），来动态调整每个参数的学习率。</a:t>
+            </a:r>
           </a:p>
         </p:txBody>
       </p:sp>
@@ -9209,7 +9729,7 @@
           <p:cNvPr id="3" name="标题 2">
             <a:extLst>
               <a:ext uri="{FF2B5EF4-FFF2-40B4-BE49-F238E27FC236}">
-                <a16:creationId xmlns:a16="http://schemas.microsoft.com/office/drawing/2014/main" id="{7E60FB92-9466-4610-8B6B-418CD88567AD}"/>
+                <a16:creationId xmlns:a16="http://schemas.microsoft.com/office/drawing/2014/main" id="{740746AA-73A0-4FA2-8A27-FF1D20278587}"/>
               </a:ext>
             </a:extLst>
           </p:cNvPr>
@@ -9227,7 +9747,7 @@
           <a:p>
             <a:r>
               <a:rPr lang="zh-CN" altLang="en-US" dirty="0"/>
-              <a:t>梯度下降的应用：</a:t>
+              <a:t>高级优化方法：</a:t>
             </a:r>
           </a:p>
         </p:txBody>
@@ -9237,7 +9757,7 @@
           <p:cNvPr id="5" name="图片 4">
             <a:extLst>
               <a:ext uri="{FF2B5EF4-FFF2-40B4-BE49-F238E27FC236}">
-                <a16:creationId xmlns:a16="http://schemas.microsoft.com/office/drawing/2014/main" id="{65BB754C-67D7-4E95-BA58-3F65EA8B4E53}"/>
+                <a16:creationId xmlns:a16="http://schemas.microsoft.com/office/drawing/2014/main" id="{621244B8-BEC4-4FC5-8FB7-9D518328B9FC}"/>
               </a:ext>
             </a:extLst>
           </p:cNvPr>
@@ -9246,16 +9766,44 @@
           </p:cNvPicPr>
           <p:nvPr/>
         </p:nvPicPr>
-        <p:blipFill>
+        <p:blipFill rotWithShape="1">
           <a:blip r:embed="rId2"/>
-          <a:stretch>
-            <a:fillRect/>
-          </a:stretch>
+          <a:srcRect l="13814" t="27503" r="5054" b="12507"/>
+          <a:stretch/>
         </p:blipFill>
         <p:spPr>
           <a:xfrm>
-            <a:off x="4281234" y="3805979"/>
-            <a:ext cx="3629532" cy="1057423"/>
+            <a:off x="1201782" y="4502331"/>
+            <a:ext cx="3709853" cy="365760"/>
+          </a:xfrm>
+          <a:prstGeom prst="rect">
+            <a:avLst/>
+          </a:prstGeom>
+        </p:spPr>
+      </p:pic>
+      <p:pic>
+        <p:nvPicPr>
+          <p:cNvPr id="7" name="图片 6">
+            <a:extLst>
+              <a:ext uri="{FF2B5EF4-FFF2-40B4-BE49-F238E27FC236}">
+                <a16:creationId xmlns:a16="http://schemas.microsoft.com/office/drawing/2014/main" id="{50023F0C-209E-42B5-AE40-BB3D01531E01}"/>
+              </a:ext>
+            </a:extLst>
+          </p:cNvPr>
+          <p:cNvPicPr>
+            <a:picLocks noChangeAspect="1"/>
+          </p:cNvPicPr>
+          <p:nvPr/>
+        </p:nvPicPr>
+        <p:blipFill rotWithShape="1">
+          <a:blip r:embed="rId3"/>
+          <a:srcRect b="9832"/>
+          <a:stretch/>
+        </p:blipFill>
+        <p:spPr>
+          <a:xfrm>
+            <a:off x="5749324" y="4484913"/>
+            <a:ext cx="3410426" cy="669991"/>
           </a:xfrm>
           <a:prstGeom prst="rect">
             <a:avLst/>
@@ -9265,7 +9813,7 @@
     </p:spTree>
     <p:extLst>
       <p:ext uri="{BB962C8B-B14F-4D97-AF65-F5344CB8AC3E}">
-        <p14:creationId xmlns:p14="http://schemas.microsoft.com/office/powerpoint/2010/main" val="3797609074"/>
+        <p14:creationId xmlns:p14="http://schemas.microsoft.com/office/powerpoint/2010/main" val="2202545577"/>
       </p:ext>
     </p:extLst>
   </p:cSld>
@@ -9297,7 +9845,7 @@
           <p:cNvPr id="2" name="内容占位符 1">
             <a:extLst>
               <a:ext uri="{FF2B5EF4-FFF2-40B4-BE49-F238E27FC236}">
-                <a16:creationId xmlns:a16="http://schemas.microsoft.com/office/drawing/2014/main" id="{234F1CA4-71CB-4E4D-9E57-332912802267}"/>
+                <a16:creationId xmlns:a16="http://schemas.microsoft.com/office/drawing/2014/main" id="{9203A138-DFBD-4706-BFA3-B7C55C369387}"/>
               </a:ext>
             </a:extLst>
           </p:cNvPr>
@@ -9314,26 +9862,22 @@
           <a:lstStyle/>
           <a:p>
             <a:r>
-              <a:rPr lang="en-US" altLang="zh-CN" b="1" dirty="0"/>
-              <a:t>2. </a:t>
-            </a:r>
-            <a:r>
-              <a:rPr lang="zh-CN" altLang="en-US" b="1" dirty="0"/>
-              <a:t>逻辑回归</a:t>
-            </a:r>
-          </a:p>
-          <a:p>
-            <a:r>
               <a:rPr lang="zh-CN" altLang="en-US" dirty="0"/>
-              <a:t>在</a:t>
-            </a:r>
-            <a:r>
-              <a:rPr lang="zh-CN" altLang="en-US" b="1" dirty="0"/>
-              <a:t>逻辑回归</a:t>
-            </a:r>
+              <a:t>线性回归</a:t>
+            </a:r>
+          </a:p>
+          <a:p>
             <a:r>
               <a:rPr lang="zh-CN" altLang="en-US" dirty="0"/>
-              <a:t>中，目标是通过拟合一个概率模型来分类数据。通过梯度下降，能够优化模型的权重，使得预测的类别概率与真实标签之间的交叉熵损失最小化。逻辑回归常用于二分类任务（例如，判断邮件是否是垃圾邮件）。</a:t>
+              <a:t>线性回归的目标是找到一条最佳拟合直线，使得预测值与实际值之间的误差（通常使用均方误差，</a:t>
+            </a:r>
+            <a:r>
+              <a:rPr lang="en-US" altLang="zh-CN" dirty="0"/>
+              <a:t>MSE</a:t>
+            </a:r>
+            <a:r>
+              <a:rPr lang="zh-CN" altLang="en-US" dirty="0"/>
+              <a:t>）最小化。通过使用梯度下降，模型可以迭代地调整回归系数（权重），以最小化损失函数。梯度下降在这种情况下非常有效，特别是在数据集非常大时。</a:t>
             </a:r>
           </a:p>
           <a:p>
@@ -9342,16 +9886,12 @@
               <a:buChar char="•"/>
             </a:pPr>
             <a:r>
-              <a:rPr lang="zh-CN" altLang="en-US" b="1" dirty="0"/>
-              <a:t>损失函数</a:t>
-            </a:r>
-            <a:r>
               <a:rPr lang="zh-CN" altLang="en-US" dirty="0"/>
-              <a:t>：交叉熵损失（</a:t>
+              <a:t>损失函数：均方误差（</a:t>
             </a:r>
             <a:r>
               <a:rPr lang="en-US" altLang="zh-CN" dirty="0"/>
-              <a:t>Logistic Loss</a:t>
+              <a:t>MSE</a:t>
             </a:r>
             <a:r>
               <a:rPr lang="zh-CN" altLang="en-US" dirty="0"/>
@@ -9367,33 +9907,30 @@
             <a:endParaRPr lang="en-US" altLang="zh-CN" dirty="0"/>
           </a:p>
           <a:p>
+            <a:pPr marL="0" indent="0">
+              <a:buNone/>
+            </a:pPr>
+            <a:endParaRPr lang="en-US" altLang="zh-CN" dirty="0"/>
+          </a:p>
+          <a:p>
             <a:pPr>
               <a:buFont typeface="Arial" panose="020B0604020202020204" pitchFamily="34" charset="0"/>
               <a:buChar char="•"/>
             </a:pPr>
+            <a:r>
+              <a:rPr lang="zh-CN" altLang="en-US" dirty="0"/>
+              <a:t>应用：可以用于所有需要线性估计的东西（</a:t>
+            </a:r>
+            <a:r>
+              <a:rPr lang="en-US" altLang="zh-CN" dirty="0"/>
+              <a:t>doge</a:t>
+            </a:r>
+            <a:r>
+              <a:rPr lang="zh-CN" altLang="en-US" dirty="0"/>
+              <a:t>）</a:t>
+            </a:r>
             <a:endParaRPr lang="en-US" altLang="zh-CN" dirty="0"/>
           </a:p>
-          <a:p>
-            <a:pPr>
-              <a:buFont typeface="Arial" panose="020B0604020202020204" pitchFamily="34" charset="0"/>
-              <a:buChar char="•"/>
-            </a:pPr>
-            <a:endParaRPr lang="zh-CN" altLang="en-US" dirty="0"/>
-          </a:p>
-          <a:p>
-            <a:pPr>
-              <a:buFont typeface="Arial" panose="020B0604020202020204" pitchFamily="34" charset="0"/>
-              <a:buChar char="•"/>
-            </a:pPr>
-            <a:r>
-              <a:rPr lang="zh-CN" altLang="en-US" b="1" dirty="0"/>
-              <a:t>应用</a:t>
-            </a:r>
-            <a:r>
-              <a:rPr lang="zh-CN" altLang="en-US" dirty="0"/>
-              <a:t>：二分类任务，如垃圾邮件分类、疾病预测等。</a:t>
-            </a:r>
-          </a:p>
         </p:txBody>
       </p:sp>
       <p:sp>
@@ -9401,7 +9938,7 @@
           <p:cNvPr id="3" name="标题 2">
             <a:extLst>
               <a:ext uri="{FF2B5EF4-FFF2-40B4-BE49-F238E27FC236}">
-                <a16:creationId xmlns:a16="http://schemas.microsoft.com/office/drawing/2014/main" id="{DE515BDB-62EC-4CA8-BFF6-A9E3F3AEFF6A}"/>
+                <a16:creationId xmlns:a16="http://schemas.microsoft.com/office/drawing/2014/main" id="{7E60FB92-9466-4610-8B6B-418CD88567AD}"/>
               </a:ext>
             </a:extLst>
           </p:cNvPr>
@@ -9429,7 +9966,7 @@
           <p:cNvPr id="5" name="图片 4">
             <a:extLst>
               <a:ext uri="{FF2B5EF4-FFF2-40B4-BE49-F238E27FC236}">
-                <a16:creationId xmlns:a16="http://schemas.microsoft.com/office/drawing/2014/main" id="{F9A2C129-8B7D-4CB8-BFB0-9AD5B9F7E86B}"/>
+                <a16:creationId xmlns:a16="http://schemas.microsoft.com/office/drawing/2014/main" id="{65BB754C-67D7-4E95-BA58-3F65EA8B4E53}"/>
               </a:ext>
             </a:extLst>
           </p:cNvPr>
@@ -9446,8 +9983,8 @@
         </p:blipFill>
         <p:spPr>
           <a:xfrm>
-            <a:off x="2842758" y="4146427"/>
-            <a:ext cx="6506483" cy="1047896"/>
+            <a:off x="4281234" y="3805979"/>
+            <a:ext cx="3629532" cy="1057423"/>
           </a:xfrm>
           <a:prstGeom prst="rect">
             <a:avLst/>
@@ -9457,7 +9994,7 @@
     </p:spTree>
     <p:extLst>
       <p:ext uri="{BB962C8B-B14F-4D97-AF65-F5344CB8AC3E}">
-        <p14:creationId xmlns:p14="http://schemas.microsoft.com/office/powerpoint/2010/main" val="1107605861"/>
+        <p14:creationId xmlns:p14="http://schemas.microsoft.com/office/powerpoint/2010/main" val="3797609074"/>
       </p:ext>
     </p:extLst>
   </p:cSld>
@@ -9489,7 +10026,7 @@
           <p:cNvPr id="2" name="内容占位符 1">
             <a:extLst>
               <a:ext uri="{FF2B5EF4-FFF2-40B4-BE49-F238E27FC236}">
-                <a16:creationId xmlns:a16="http://schemas.microsoft.com/office/drawing/2014/main" id="{71DDE885-BCC8-4496-A977-A19A17A2E185}"/>
+                <a16:creationId xmlns:a16="http://schemas.microsoft.com/office/drawing/2014/main" id="{234F1CA4-71CB-4E4D-9E57-332912802267}"/>
               </a:ext>
             </a:extLst>
           </p:cNvPr>
@@ -9500,29 +10037,20 @@
             <p:ph sz="quarter" idx="10"/>
           </p:nvPr>
         </p:nvSpPr>
-        <p:spPr>
-          <a:xfrm>
-            <a:off x="658702" y="1685678"/>
-            <a:ext cx="11162884" cy="3739762"/>
-          </a:xfrm>
-        </p:spPr>
+        <p:spPr/>
         <p:txBody>
           <a:bodyPr/>
           <a:lstStyle/>
           <a:p>
             <a:r>
-              <a:rPr lang="en-US" altLang="zh-CN" b="1" dirty="0"/>
-              <a:t>3. </a:t>
-            </a:r>
-            <a:r>
-              <a:rPr lang="zh-CN" altLang="en-US" b="1" dirty="0"/>
-              <a:t>神经网络训练</a:t>
-            </a:r>
-          </a:p>
-          <a:p>
-            <a:r>
               <a:rPr lang="zh-CN" altLang="en-US" dirty="0"/>
-              <a:t>在神经网络的训练中，梯度下降是最常用的优化算法之一。神经网络通过计算每一层的梯度来逐步调整网络的权重，以最小化损失函数。由于神经网络通常非常复杂，具有大量的参数和层数，梯度下降算法（特别是小批量梯度下降、随机梯度下降等）是训练神经网络不可或缺的部分。</a:t>
+              <a:t>逻辑回归</a:t>
+            </a:r>
+          </a:p>
+          <a:p>
+            <a:r>
+              <a:rPr lang="zh-CN" altLang="en-US" dirty="0"/>
+              <a:t>逻辑回归的目标是通过拟合一个概率模型来分类数据。梯度下降能够优化模型的权重，使得预测的类别概率与真实标签之间的交叉熵损失最小化（人话：尽量使预测的类型与实际类型一致）。逻辑回归常用于二分类任务（例如判断邮件是否是垃圾邮件）。</a:t>
             </a:r>
           </a:p>
           <a:p>
@@ -9531,26 +10059,48 @@
               <a:buChar char="•"/>
             </a:pPr>
             <a:r>
-              <a:rPr lang="zh-CN" altLang="en-US" b="1" dirty="0"/>
-              <a:t>损失函数</a:t>
-            </a:r>
-            <a:r>
               <a:rPr lang="zh-CN" altLang="en-US" dirty="0"/>
-              <a:t>：通常使用交叉熵损失（用于分类问题）或均方误差（用于回归问题）。</a:t>
-            </a:r>
+              <a:t>损失函数：交叉熵损失（</a:t>
+            </a:r>
+            <a:r>
+              <a:rPr lang="en-US" altLang="zh-CN" dirty="0"/>
+              <a:t>Logistic Loss</a:t>
+            </a:r>
+            <a:r>
+              <a:rPr lang="zh-CN" altLang="en-US" dirty="0"/>
+              <a:t>）：</a:t>
+            </a:r>
+            <a:endParaRPr lang="en-US" altLang="zh-CN" dirty="0"/>
           </a:p>
           <a:p>
             <a:pPr>
               <a:buFont typeface="Arial" panose="020B0604020202020204" pitchFamily="34" charset="0"/>
               <a:buChar char="•"/>
             </a:pPr>
-            <a:r>
-              <a:rPr lang="zh-CN" altLang="en-US" b="1" dirty="0"/>
-              <a:t>应用</a:t>
-            </a:r>
+            <a:endParaRPr lang="en-US" altLang="zh-CN" dirty="0"/>
+          </a:p>
+          <a:p>
+            <a:pPr>
+              <a:buFont typeface="Arial" panose="020B0604020202020204" pitchFamily="34" charset="0"/>
+              <a:buChar char="•"/>
+            </a:pPr>
+            <a:endParaRPr lang="en-US" altLang="zh-CN" dirty="0"/>
+          </a:p>
+          <a:p>
+            <a:pPr>
+              <a:buFont typeface="Arial" panose="020B0604020202020204" pitchFamily="34" charset="0"/>
+              <a:buChar char="•"/>
+            </a:pPr>
+            <a:endParaRPr lang="zh-CN" altLang="en-US" dirty="0"/>
+          </a:p>
+          <a:p>
+            <a:pPr>
+              <a:buFont typeface="Arial" panose="020B0604020202020204" pitchFamily="34" charset="0"/>
+              <a:buChar char="•"/>
+            </a:pPr>
             <a:r>
               <a:rPr lang="zh-CN" altLang="en-US" dirty="0"/>
-              <a:t>：图像分类、语音识别、自然语言处理、推荐系统等。</a:t>
+              <a:t>应用：二分类任务，如垃圾邮件分类等。</a:t>
             </a:r>
           </a:p>
         </p:txBody>
@@ -9560,7 +10110,7 @@
           <p:cNvPr id="3" name="标题 2">
             <a:extLst>
               <a:ext uri="{FF2B5EF4-FFF2-40B4-BE49-F238E27FC236}">
-                <a16:creationId xmlns:a16="http://schemas.microsoft.com/office/drawing/2014/main" id="{D3137EF4-65C1-42EC-9826-2D68C299F807}"/>
+                <a16:creationId xmlns:a16="http://schemas.microsoft.com/office/drawing/2014/main" id="{DE515BDB-62EC-4CA8-BFF6-A9E3F3AEFF6A}"/>
               </a:ext>
             </a:extLst>
           </p:cNvPr>
@@ -9578,15 +10128,45 @@
           <a:p>
             <a:r>
               <a:rPr lang="zh-CN" altLang="en-US" dirty="0"/>
-              <a:t>梯度下降的应用</a:t>
+              <a:t>梯度下降的应用：</a:t>
             </a:r>
           </a:p>
         </p:txBody>
       </p:sp>
+      <p:pic>
+        <p:nvPicPr>
+          <p:cNvPr id="5" name="图片 4">
+            <a:extLst>
+              <a:ext uri="{FF2B5EF4-FFF2-40B4-BE49-F238E27FC236}">
+                <a16:creationId xmlns:a16="http://schemas.microsoft.com/office/drawing/2014/main" id="{F9A2C129-8B7D-4CB8-BFB0-9AD5B9F7E86B}"/>
+              </a:ext>
+            </a:extLst>
+          </p:cNvPr>
+          <p:cNvPicPr>
+            <a:picLocks noChangeAspect="1"/>
+          </p:cNvPicPr>
+          <p:nvPr/>
+        </p:nvPicPr>
+        <p:blipFill>
+          <a:blip r:embed="rId2"/>
+          <a:stretch>
+            <a:fillRect/>
+          </a:stretch>
+        </p:blipFill>
+        <p:spPr>
+          <a:xfrm>
+            <a:off x="2842758" y="4146427"/>
+            <a:ext cx="6506483" cy="1047896"/>
+          </a:xfrm>
+          <a:prstGeom prst="rect">
+            <a:avLst/>
+          </a:prstGeom>
+        </p:spPr>
+      </p:pic>
     </p:spTree>
     <p:extLst>
       <p:ext uri="{BB962C8B-B14F-4D97-AF65-F5344CB8AC3E}">
-        <p14:creationId xmlns:p14="http://schemas.microsoft.com/office/powerpoint/2010/main" val="4227130723"/>
+        <p14:creationId xmlns:p14="http://schemas.microsoft.com/office/powerpoint/2010/main" val="1107605861"/>
       </p:ext>
     </p:extLst>
   </p:cSld>
@@ -9618,7 +10198,7 @@
           <p:cNvPr id="2" name="内容占位符 1">
             <a:extLst>
               <a:ext uri="{FF2B5EF4-FFF2-40B4-BE49-F238E27FC236}">
-                <a16:creationId xmlns:a16="http://schemas.microsoft.com/office/drawing/2014/main" id="{097CA46E-D1E3-4EB9-AA53-8915C9CD1135}"/>
+                <a16:creationId xmlns:a16="http://schemas.microsoft.com/office/drawing/2014/main" id="{71DDE885-BCC8-4496-A977-A19A17A2E185}"/>
               </a:ext>
             </a:extLst>
           </p:cNvPr>
@@ -9629,23 +10209,132 @@
             <p:ph sz="quarter" idx="10"/>
           </p:nvPr>
         </p:nvSpPr>
+        <p:spPr>
+          <a:xfrm>
+            <a:off x="658702" y="1685678"/>
+            <a:ext cx="11162884" cy="3739762"/>
+          </a:xfrm>
+        </p:spPr>
+        <p:txBody>
+          <a:bodyPr/>
+          <a:lstStyle/>
+          <a:p>
+            <a:r>
+              <a:rPr lang="zh-CN" altLang="en-US" dirty="0"/>
+              <a:t>神经网络训练</a:t>
+            </a:r>
+          </a:p>
+          <a:p>
+            <a:r>
+              <a:rPr lang="zh-CN" altLang="en-US" dirty="0"/>
+              <a:t>在神经网络的训练中，梯度下降是最常用的优化算法之一。神经网络通过计算每一层的梯度来逐步调整网络的权重，以最小化损失函数。由于神经网络通常非常复杂，具有大量的参数和层数，梯度下降算法（特别是小批量梯度下降、随机梯度下降等）是训练神经网络不可或缺的部分。</a:t>
+            </a:r>
+          </a:p>
+          <a:p>
+            <a:pPr>
+              <a:buFont typeface="Arial" panose="020B0604020202020204" pitchFamily="34" charset="0"/>
+              <a:buChar char="•"/>
+            </a:pPr>
+            <a:r>
+              <a:rPr lang="zh-CN" altLang="en-US" dirty="0"/>
+              <a:t>损失函数：通常使用交叉熵损失（用于分类问题）或均方误差（用于回归问题）。</a:t>
+            </a:r>
+          </a:p>
+          <a:p>
+            <a:pPr>
+              <a:buFont typeface="Arial" panose="020B0604020202020204" pitchFamily="34" charset="0"/>
+              <a:buChar char="•"/>
+            </a:pPr>
+            <a:r>
+              <a:rPr lang="zh-CN" altLang="en-US" dirty="0"/>
+              <a:t>应用：图像分类、语音识别、自然语言处理、推荐系统等。</a:t>
+            </a:r>
+          </a:p>
+        </p:txBody>
+      </p:sp>
+      <p:sp>
+        <p:nvSpPr>
+          <p:cNvPr id="3" name="标题 2">
+            <a:extLst>
+              <a:ext uri="{FF2B5EF4-FFF2-40B4-BE49-F238E27FC236}">
+                <a16:creationId xmlns:a16="http://schemas.microsoft.com/office/drawing/2014/main" id="{D3137EF4-65C1-42EC-9826-2D68C299F807}"/>
+              </a:ext>
+            </a:extLst>
+          </p:cNvPr>
+          <p:cNvSpPr>
+            <a:spLocks noGrp="1"/>
+          </p:cNvSpPr>
+          <p:nvPr>
+            <p:ph type="title"/>
+          </p:nvPr>
+        </p:nvSpPr>
+        <p:spPr/>
+        <p:txBody>
+          <a:bodyPr/>
+          <a:lstStyle/>
+          <a:p>
+            <a:r>
+              <a:rPr lang="zh-CN" altLang="en-US" dirty="0"/>
+              <a:t>梯度下降的应用</a:t>
+            </a:r>
+          </a:p>
+        </p:txBody>
+      </p:sp>
+    </p:spTree>
+    <p:extLst>
+      <p:ext uri="{BB962C8B-B14F-4D97-AF65-F5344CB8AC3E}">
+        <p14:creationId xmlns:p14="http://schemas.microsoft.com/office/powerpoint/2010/main" val="4227130723"/>
+      </p:ext>
+    </p:extLst>
+  </p:cSld>
+  <p:clrMapOvr>
+    <a:masterClrMapping/>
+  </p:clrMapOvr>
+</p:sld>
+</file>
+
+<file path=ppt/slides/slide28.xml><?xml version="1.0" encoding="utf-8"?>
+<p:sld xmlns:a="http://schemas.openxmlformats.org/drawingml/2006/main" xmlns:r="http://schemas.openxmlformats.org/officeDocument/2006/relationships" xmlns:p="http://schemas.openxmlformats.org/presentationml/2006/main">
+  <p:cSld>
+    <p:spTree>
+      <p:nvGrpSpPr>
+        <p:cNvPr id="1" name=""/>
+        <p:cNvGrpSpPr/>
+        <p:nvPr/>
+      </p:nvGrpSpPr>
+      <p:grpSpPr>
+        <a:xfrm>
+          <a:off x="0" y="0"/>
+          <a:ext cx="0" cy="0"/>
+          <a:chOff x="0" y="0"/>
+          <a:chExt cx="0" cy="0"/>
+        </a:xfrm>
+      </p:grpSpPr>
+      <p:sp>
+        <p:nvSpPr>
+          <p:cNvPr id="2" name="内容占位符 1">
+            <a:extLst>
+              <a:ext uri="{FF2B5EF4-FFF2-40B4-BE49-F238E27FC236}">
+                <a16:creationId xmlns:a16="http://schemas.microsoft.com/office/drawing/2014/main" id="{097CA46E-D1E3-4EB9-AA53-8915C9CD1135}"/>
+              </a:ext>
+            </a:extLst>
+          </p:cNvPr>
+          <p:cNvSpPr>
+            <a:spLocks noGrp="1"/>
+          </p:cNvSpPr>
+          <p:nvPr>
+            <p:ph sz="quarter" idx="10"/>
+          </p:nvPr>
+        </p:nvSpPr>
         <p:spPr/>
         <p:txBody>
           <a:bodyPr>
-            <a:normAutofit lnSpcReduction="10000"/>
+            <a:normAutofit/>
           </a:bodyPr>
           <a:lstStyle/>
           <a:p>
             <a:r>
-              <a:rPr lang="en-US" altLang="zh-CN" b="1" dirty="0"/>
-              <a:t>4</a:t>
-            </a:r>
-            <a:r>
-              <a:rPr lang="en-US" altLang="zh-CN" b="1"/>
-              <a:t>. </a:t>
-            </a:r>
-            <a:r>
-              <a:rPr lang="zh-CN" altLang="en-US" b="1" dirty="0"/>
+              <a:rPr lang="zh-CN" altLang="en-US" dirty="0"/>
               <a:t>强化学习</a:t>
             </a:r>
           </a:p>
@@ -9660,15 +10349,7 @@
             </a:r>
             <a:r>
               <a:rPr lang="zh-CN" altLang="en-US" dirty="0"/>
-              <a:t>）中，梯度下降用于优化策略或价值函数。例如，</a:t>
-            </a:r>
-            <a:r>
-              <a:rPr lang="zh-CN" altLang="en-US" b="1" dirty="0"/>
-              <a:t>策略梯度方法</a:t>
-            </a:r>
-            <a:r>
-              <a:rPr lang="zh-CN" altLang="en-US" dirty="0"/>
-              <a:t>（</a:t>
+              <a:t>）中，梯度下降用于优化策略或价值函数。策略梯度方法（</a:t>
             </a:r>
             <a:r>
               <a:rPr lang="en-US" altLang="zh-CN" dirty="0"/>
@@ -9676,7 +10357,7 @@
             </a:r>
             <a:r>
               <a:rPr lang="zh-CN" altLang="en-US" dirty="0"/>
-              <a:t>）利用梯度下降更新策略网络，使得智能体能够在环境中获得最大奖励。这类方法通常通过对策略的梯度进行估计，来改进智能体的决策过程。</a:t>
+              <a:t>）利用梯度下降更新策略网络，使得智能体能够在环境中获得最大奖励（省流：找到最优策略）。</a:t>
             </a:r>
             <a:endParaRPr lang="en-US" altLang="zh-CN" dirty="0"/>
           </a:p>
@@ -9694,45 +10375,26 @@
             <a:endParaRPr lang="en-US" altLang="zh-CN" b="1" dirty="0"/>
           </a:p>
           <a:p>
+            <a:pPr marL="0" indent="0">
+              <a:buNone/>
+            </a:pPr>
+            <a:endParaRPr lang="en-US" altLang="zh-CN" b="1" dirty="0"/>
+          </a:p>
+          <a:p>
             <a:pPr>
               <a:buFont typeface="Arial" panose="020B0604020202020204" pitchFamily="34" charset="0"/>
               <a:buChar char="•"/>
             </a:pPr>
-            <a:endParaRPr lang="en-US" altLang="zh-CN" b="1" dirty="0"/>
+            <a:endParaRPr lang="en-US" altLang="zh-CN" dirty="0"/>
           </a:p>
           <a:p>
             <a:pPr>
               <a:buFont typeface="Arial" panose="020B0604020202020204" pitchFamily="34" charset="0"/>
               <a:buChar char="•"/>
             </a:pPr>
-            <a:endParaRPr lang="en-US" altLang="zh-CN" b="1" dirty="0"/>
-          </a:p>
-          <a:p>
-            <a:pPr>
-              <a:buFont typeface="Arial" panose="020B0604020202020204" pitchFamily="34" charset="0"/>
-              <a:buChar char="•"/>
-            </a:pPr>
-            <a:r>
-              <a:rPr lang="zh-CN" altLang="en-US" b="1" dirty="0"/>
-              <a:t>目标</a:t>
-            </a:r>
             <a:r>
               <a:rPr lang="zh-CN" altLang="en-US" dirty="0"/>
-              <a:t>：最大化累计奖励（即最小化负的奖励）。</a:t>
-            </a:r>
-          </a:p>
-          <a:p>
-            <a:pPr>
-              <a:buFont typeface="Arial" panose="020B0604020202020204" pitchFamily="34" charset="0"/>
-              <a:buChar char="•"/>
-            </a:pPr>
-            <a:r>
-              <a:rPr lang="zh-CN" altLang="en-US" b="1" dirty="0"/>
-              <a:t>应用</a:t>
-            </a:r>
-            <a:r>
-              <a:rPr lang="zh-CN" altLang="en-US" dirty="0"/>
-              <a:t>：自动驾驶、游戏</a:t>
+              <a:t>应用：自动驾驶、游戏</a:t>
             </a:r>
             <a:r>
               <a:rPr lang="en-US" altLang="zh-CN" dirty="0"/>
@@ -10832,4 +11494,299 @@
     </a:ext>
   </a:extLst>
 </a:theme>
+</file>
+
+<file path=ppt/theme/theme2.xml><?xml version="1.0" encoding="utf-8"?>
+<a:theme xmlns:a="http://schemas.openxmlformats.org/drawingml/2006/main" name="Office 主题​​">
+  <a:themeElements>
+    <a:clrScheme name="Office">
+      <a:dk1>
+        <a:sysClr val="windowText" lastClr="000000"/>
+      </a:dk1>
+      <a:lt1>
+        <a:sysClr val="window" lastClr="FFFFFF"/>
+      </a:lt1>
+      <a:dk2>
+        <a:srgbClr val="44546A"/>
+      </a:dk2>
+      <a:lt2>
+        <a:srgbClr val="E7E6E6"/>
+      </a:lt2>
+      <a:accent1>
+        <a:srgbClr val="4472C4"/>
+      </a:accent1>
+      <a:accent2>
+        <a:srgbClr val="ED7D31"/>
+      </a:accent2>
+      <a:accent3>
+        <a:srgbClr val="A5A5A5"/>
+      </a:accent3>
+      <a:accent4>
+        <a:srgbClr val="FFC000"/>
+      </a:accent4>
+      <a:accent5>
+        <a:srgbClr val="5B9BD5"/>
+      </a:accent5>
+      <a:accent6>
+        <a:srgbClr val="70AD47"/>
+      </a:accent6>
+      <a:hlink>
+        <a:srgbClr val="0563C1"/>
+      </a:hlink>
+      <a:folHlink>
+        <a:srgbClr val="954F72"/>
+      </a:folHlink>
+    </a:clrScheme>
+    <a:fontScheme name="Office">
+      <a:majorFont>
+        <a:latin typeface="等线 Light" panose="020F0302020204030204"/>
+        <a:ea typeface=""/>
+        <a:cs typeface=""/>
+        <a:font script="Jpan" typeface="游ゴシック Light"/>
+        <a:font script="Hang" typeface="맑은 고딕"/>
+        <a:font script="Hans" typeface="等线 Light"/>
+        <a:font script="Hant" typeface="新細明體"/>
+        <a:font script="Arab" typeface="Times New Roman"/>
+        <a:font script="Hebr" typeface="Times New Roman"/>
+        <a:font script="Thai" typeface="Angsana New"/>
+        <a:font script="Ethi" typeface="Nyala"/>
+        <a:font script="Beng" typeface="Vrinda"/>
+        <a:font script="Gujr" typeface="Shruti"/>
+        <a:font script="Khmr" typeface="MoolBoran"/>
+        <a:font script="Knda" typeface="Tunga"/>
+        <a:font script="Guru" typeface="Raavi"/>
+        <a:font script="Cans" typeface="Euphemia"/>
+        <a:font script="Cher" typeface="Plantagenet Cherokee"/>
+        <a:font script="Yiii" typeface="Microsoft Yi Baiti"/>
+        <a:font script="Tibt" typeface="Microsoft Himalaya"/>
+        <a:font script="Thaa" typeface="MV Boli"/>
+        <a:font script="Deva" typeface="Mangal"/>
+        <a:font script="Telu" typeface="Gautami"/>
+        <a:font script="Taml" typeface="Latha"/>
+        <a:font script="Syrc" typeface="Estrangelo Edessa"/>
+        <a:font script="Orya" typeface="Kalinga"/>
+        <a:font script="Mlym" typeface="Kartika"/>
+        <a:font script="Laoo" typeface="DokChampa"/>
+        <a:font script="Sinh" typeface="Iskoola Pota"/>
+        <a:font script="Mong" typeface="Mongolian Baiti"/>
+        <a:font script="Viet" typeface="Times New Roman"/>
+        <a:font script="Uigh" typeface="Microsoft Uighur"/>
+        <a:font script="Geor" typeface="Sylfaen"/>
+        <a:font script="Armn" typeface="Arial"/>
+        <a:font script="Bugi" typeface="Leelawadee UI"/>
+        <a:font script="Bopo" typeface="Microsoft JhengHei"/>
+        <a:font script="Java" typeface="Javanese Text"/>
+        <a:font script="Lisu" typeface="Segoe UI"/>
+        <a:font script="Mymr" typeface="Myanmar Text"/>
+        <a:font script="Nkoo" typeface="Ebrima"/>
+        <a:font script="Olck" typeface="Nirmala UI"/>
+        <a:font script="Osma" typeface="Ebrima"/>
+        <a:font script="Phag" typeface="Phagspa"/>
+        <a:font script="Syrn" typeface="Estrangelo Edessa"/>
+        <a:font script="Syrj" typeface="Estrangelo Edessa"/>
+        <a:font script="Syre" typeface="Estrangelo Edessa"/>
+        <a:font script="Sora" typeface="Nirmala UI"/>
+        <a:font script="Tale" typeface="Microsoft Tai Le"/>
+        <a:font script="Talu" typeface="Microsoft New Tai Lue"/>
+        <a:font script="Tfng" typeface="Ebrima"/>
+      </a:majorFont>
+      <a:minorFont>
+        <a:latin typeface="等线" panose="020F0502020204030204"/>
+        <a:ea typeface=""/>
+        <a:cs typeface=""/>
+        <a:font script="Jpan" typeface="游ゴシック"/>
+        <a:font script="Hang" typeface="맑은 고딕"/>
+        <a:font script="Hans" typeface="等线"/>
+        <a:font script="Hant" typeface="新細明體"/>
+        <a:font script="Arab" typeface="Arial"/>
+        <a:font script="Hebr" typeface="Arial"/>
+        <a:font script="Thai" typeface="Cordia New"/>
+        <a:font script="Ethi" typeface="Nyala"/>
+        <a:font script="Beng" typeface="Vrinda"/>
+        <a:font script="Gujr" typeface="Shruti"/>
+        <a:font script="Khmr" typeface="DaunPenh"/>
+        <a:font script="Knda" typeface="Tunga"/>
+        <a:font script="Guru" typeface="Raavi"/>
+        <a:font script="Cans" typeface="Euphemia"/>
+        <a:font script="Cher" typeface="Plantagenet Cherokee"/>
+        <a:font script="Yiii" typeface="Microsoft Yi Baiti"/>
+        <a:font script="Tibt" typeface="Microsoft Himalaya"/>
+        <a:font script="Thaa" typeface="MV Boli"/>
+        <a:font script="Deva" typeface="Mangal"/>
+        <a:font script="Telu" typeface="Gautami"/>
+        <a:font script="Taml" typeface="Latha"/>
+        <a:font script="Syrc" typeface="Estrangelo Edessa"/>
+        <a:font script="Orya" typeface="Kalinga"/>
+        <a:font script="Mlym" typeface="Kartika"/>
+        <a:font script="Laoo" typeface="DokChampa"/>
+        <a:font script="Sinh" typeface="Iskoola Pota"/>
+        <a:font script="Mong" typeface="Mongolian Baiti"/>
+        <a:font script="Viet" typeface="Arial"/>
+        <a:font script="Uigh" typeface="Microsoft Uighur"/>
+        <a:font script="Geor" typeface="Sylfaen"/>
+        <a:font script="Armn" typeface="Arial"/>
+        <a:font script="Bugi" typeface="Leelawadee UI"/>
+        <a:font script="Bopo" typeface="Microsoft JhengHei"/>
+        <a:font script="Java" typeface="Javanese Text"/>
+        <a:font script="Lisu" typeface="Segoe UI"/>
+        <a:font script="Mymr" typeface="Myanmar Text"/>
+        <a:font script="Nkoo" typeface="Ebrima"/>
+        <a:font script="Olck" typeface="Nirmala UI"/>
+        <a:font script="Osma" typeface="Ebrima"/>
+        <a:font script="Phag" typeface="Phagspa"/>
+        <a:font script="Syrn" typeface="Estrangelo Edessa"/>
+        <a:font script="Syrj" typeface="Estrangelo Edessa"/>
+        <a:font script="Syre" typeface="Estrangelo Edessa"/>
+        <a:font script="Sora" typeface="Nirmala UI"/>
+        <a:font script="Tale" typeface="Microsoft Tai Le"/>
+        <a:font script="Talu" typeface="Microsoft New Tai Lue"/>
+        <a:font script="Tfng" typeface="Ebrima"/>
+      </a:minorFont>
+    </a:fontScheme>
+    <a:fmtScheme name="Office">
+      <a:fillStyleLst>
+        <a:solidFill>
+          <a:schemeClr val="phClr"/>
+        </a:solidFill>
+        <a:gradFill rotWithShape="1">
+          <a:gsLst>
+            <a:gs pos="0">
+              <a:schemeClr val="phClr">
+                <a:lumMod val="110000"/>
+                <a:satMod val="105000"/>
+                <a:tint val="67000"/>
+              </a:schemeClr>
+            </a:gs>
+            <a:gs pos="50000">
+              <a:schemeClr val="phClr">
+                <a:lumMod val="105000"/>
+                <a:satMod val="103000"/>
+                <a:tint val="73000"/>
+              </a:schemeClr>
+            </a:gs>
+            <a:gs pos="100000">
+              <a:schemeClr val="phClr">
+                <a:lumMod val="105000"/>
+                <a:satMod val="109000"/>
+                <a:tint val="81000"/>
+              </a:schemeClr>
+            </a:gs>
+          </a:gsLst>
+          <a:lin ang="5400000" scaled="0"/>
+        </a:gradFill>
+        <a:gradFill rotWithShape="1">
+          <a:gsLst>
+            <a:gs pos="0">
+              <a:schemeClr val="phClr">
+                <a:satMod val="103000"/>
+                <a:lumMod val="102000"/>
+                <a:tint val="94000"/>
+              </a:schemeClr>
+            </a:gs>
+            <a:gs pos="50000">
+              <a:schemeClr val="phClr">
+                <a:satMod val="110000"/>
+                <a:lumMod val="100000"/>
+                <a:shade val="100000"/>
+              </a:schemeClr>
+            </a:gs>
+            <a:gs pos="100000">
+              <a:schemeClr val="phClr">
+                <a:lumMod val="99000"/>
+                <a:satMod val="120000"/>
+                <a:shade val="78000"/>
+              </a:schemeClr>
+            </a:gs>
+          </a:gsLst>
+          <a:lin ang="5400000" scaled="0"/>
+        </a:gradFill>
+      </a:fillStyleLst>
+      <a:lnStyleLst>
+        <a:ln w="6350" cap="flat" cmpd="sng" algn="ctr">
+          <a:solidFill>
+            <a:schemeClr val="phClr"/>
+          </a:solidFill>
+          <a:prstDash val="solid"/>
+          <a:miter lim="800000"/>
+        </a:ln>
+        <a:ln w="12700" cap="flat" cmpd="sng" algn="ctr">
+          <a:solidFill>
+            <a:schemeClr val="phClr"/>
+          </a:solidFill>
+          <a:prstDash val="solid"/>
+          <a:miter lim="800000"/>
+        </a:ln>
+        <a:ln w="19050" cap="flat" cmpd="sng" algn="ctr">
+          <a:solidFill>
+            <a:schemeClr val="phClr"/>
+          </a:solidFill>
+          <a:prstDash val="solid"/>
+          <a:miter lim="800000"/>
+        </a:ln>
+      </a:lnStyleLst>
+      <a:effectStyleLst>
+        <a:effectStyle>
+          <a:effectLst/>
+        </a:effectStyle>
+        <a:effectStyle>
+          <a:effectLst/>
+        </a:effectStyle>
+        <a:effectStyle>
+          <a:effectLst>
+            <a:outerShdw blurRad="57150" dist="19050" dir="5400000" algn="ctr" rotWithShape="0">
+              <a:srgbClr val="000000">
+                <a:alpha val="63000"/>
+              </a:srgbClr>
+            </a:outerShdw>
+          </a:effectLst>
+        </a:effectStyle>
+      </a:effectStyleLst>
+      <a:bgFillStyleLst>
+        <a:solidFill>
+          <a:schemeClr val="phClr"/>
+        </a:solidFill>
+        <a:solidFill>
+          <a:schemeClr val="phClr">
+            <a:tint val="95000"/>
+            <a:satMod val="170000"/>
+          </a:schemeClr>
+        </a:solidFill>
+        <a:gradFill rotWithShape="1">
+          <a:gsLst>
+            <a:gs pos="0">
+              <a:schemeClr val="phClr">
+                <a:tint val="93000"/>
+                <a:satMod val="150000"/>
+                <a:shade val="98000"/>
+                <a:lumMod val="102000"/>
+              </a:schemeClr>
+            </a:gs>
+            <a:gs pos="50000">
+              <a:schemeClr val="phClr">
+                <a:tint val="98000"/>
+                <a:satMod val="130000"/>
+                <a:shade val="90000"/>
+                <a:lumMod val="103000"/>
+              </a:schemeClr>
+            </a:gs>
+            <a:gs pos="100000">
+              <a:schemeClr val="phClr">
+                <a:shade val="63000"/>
+                <a:satMod val="120000"/>
+              </a:schemeClr>
+            </a:gs>
+          </a:gsLst>
+          <a:lin ang="5400000" scaled="0"/>
+        </a:gradFill>
+      </a:bgFillStyleLst>
+    </a:fmtScheme>
+  </a:themeElements>
+  <a:objectDefaults/>
+  <a:extraClrSchemeLst/>
+  <a:extLst>
+    <a:ext uri="{05A4C25C-085E-4340-85A3-A5531E510DB2}">
+      <thm15:themeFamily xmlns:thm15="http://schemas.microsoft.com/office/thememl/2012/main" name="Office Theme" id="{62F939B6-93AF-4DB8-9C6B-D6C7DFDC589F}" vid="{4A3C46E8-61CC-4603-A589-7422A47A8E4A}"/>
+    </a:ext>
+  </a:extLst>
+</a:theme>
 </file>